--- a/4 cource/2 sem/АСУП/Лабы/АСУП_Презентация_6_71ПГ_Шорин.pptx
+++ b/4 cource/2 sem/АСУП/Лабы/АСУП_Презентация_6_71ПГ_Шорин.pptx
@@ -6,7 +6,25 @@
   </p:sldMasterIdLst>
   <p:sldIdLst>
     <p:sldId id="256" r:id="rId2"/>
-    <p:sldId id="275" r:id="rId3"/>
+    <p:sldId id="278" r:id="rId3"/>
+    <p:sldId id="275" r:id="rId4"/>
+    <p:sldId id="279" r:id="rId5"/>
+    <p:sldId id="280" r:id="rId6"/>
+    <p:sldId id="281" r:id="rId7"/>
+    <p:sldId id="282" r:id="rId8"/>
+    <p:sldId id="276" r:id="rId9"/>
+    <p:sldId id="277" r:id="rId10"/>
+    <p:sldId id="283" r:id="rId11"/>
+    <p:sldId id="284" r:id="rId12"/>
+    <p:sldId id="285" r:id="rId13"/>
+    <p:sldId id="286" r:id="rId14"/>
+    <p:sldId id="287" r:id="rId15"/>
+    <p:sldId id="288" r:id="rId16"/>
+    <p:sldId id="293" r:id="rId17"/>
+    <p:sldId id="294" r:id="rId18"/>
+    <p:sldId id="295" r:id="rId19"/>
+    <p:sldId id="296" r:id="rId20"/>
+    <p:sldId id="297" r:id="rId21"/>
   </p:sldIdLst>
   <p:sldSz cx="12192000" cy="6858000"/>
   <p:notesSz cx="6858000" cy="9144000"/>
@@ -260,7 +278,7 @@
           <a:p>
             <a:fld id="{01BAE283-9B81-46E0-A406-40311CC05632}" type="datetimeFigureOut">
               <a:rPr lang="ru-RU" smtClean="0"/>
-              <a:t>07.03.2021</a:t>
+              <a:t>08.04.2021</a:t>
             </a:fld>
             <a:endParaRPr lang="ru-RU"/>
           </a:p>
@@ -458,7 +476,7 @@
           <a:p>
             <a:fld id="{01BAE283-9B81-46E0-A406-40311CC05632}" type="datetimeFigureOut">
               <a:rPr lang="ru-RU" smtClean="0"/>
-              <a:t>07.03.2021</a:t>
+              <a:t>08.04.2021</a:t>
             </a:fld>
             <a:endParaRPr lang="ru-RU"/>
           </a:p>
@@ -666,7 +684,7 @@
           <a:p>
             <a:fld id="{01BAE283-9B81-46E0-A406-40311CC05632}" type="datetimeFigureOut">
               <a:rPr lang="ru-RU" smtClean="0"/>
-              <a:t>07.03.2021</a:t>
+              <a:t>08.04.2021</a:t>
             </a:fld>
             <a:endParaRPr lang="ru-RU"/>
           </a:p>
@@ -864,7 +882,7 @@
           <a:p>
             <a:fld id="{01BAE283-9B81-46E0-A406-40311CC05632}" type="datetimeFigureOut">
               <a:rPr lang="ru-RU" smtClean="0"/>
-              <a:t>07.03.2021</a:t>
+              <a:t>08.04.2021</a:t>
             </a:fld>
             <a:endParaRPr lang="ru-RU"/>
           </a:p>
@@ -1139,7 +1157,7 @@
           <a:p>
             <a:fld id="{01BAE283-9B81-46E0-A406-40311CC05632}" type="datetimeFigureOut">
               <a:rPr lang="ru-RU" smtClean="0"/>
-              <a:t>07.03.2021</a:t>
+              <a:t>08.04.2021</a:t>
             </a:fld>
             <a:endParaRPr lang="ru-RU"/>
           </a:p>
@@ -1404,7 +1422,7 @@
           <a:p>
             <a:fld id="{01BAE283-9B81-46E0-A406-40311CC05632}" type="datetimeFigureOut">
               <a:rPr lang="ru-RU" smtClean="0"/>
-              <a:t>07.03.2021</a:t>
+              <a:t>08.04.2021</a:t>
             </a:fld>
             <a:endParaRPr lang="ru-RU"/>
           </a:p>
@@ -1816,7 +1834,7 @@
           <a:p>
             <a:fld id="{01BAE283-9B81-46E0-A406-40311CC05632}" type="datetimeFigureOut">
               <a:rPr lang="ru-RU" smtClean="0"/>
-              <a:t>07.03.2021</a:t>
+              <a:t>08.04.2021</a:t>
             </a:fld>
             <a:endParaRPr lang="ru-RU"/>
           </a:p>
@@ -1957,7 +1975,7 @@
           <a:p>
             <a:fld id="{01BAE283-9B81-46E0-A406-40311CC05632}" type="datetimeFigureOut">
               <a:rPr lang="ru-RU" smtClean="0"/>
-              <a:t>07.03.2021</a:t>
+              <a:t>08.04.2021</a:t>
             </a:fld>
             <a:endParaRPr lang="ru-RU"/>
           </a:p>
@@ -2070,7 +2088,7 @@
           <a:p>
             <a:fld id="{01BAE283-9B81-46E0-A406-40311CC05632}" type="datetimeFigureOut">
               <a:rPr lang="ru-RU" smtClean="0"/>
-              <a:t>07.03.2021</a:t>
+              <a:t>08.04.2021</a:t>
             </a:fld>
             <a:endParaRPr lang="ru-RU"/>
           </a:p>
@@ -2381,7 +2399,7 @@
           <a:p>
             <a:fld id="{01BAE283-9B81-46E0-A406-40311CC05632}" type="datetimeFigureOut">
               <a:rPr lang="ru-RU" smtClean="0"/>
-              <a:t>07.03.2021</a:t>
+              <a:t>08.04.2021</a:t>
             </a:fld>
             <a:endParaRPr lang="ru-RU"/>
           </a:p>
@@ -2669,7 +2687,7 @@
           <a:p>
             <a:fld id="{01BAE283-9B81-46E0-A406-40311CC05632}" type="datetimeFigureOut">
               <a:rPr lang="ru-RU" smtClean="0"/>
-              <a:t>07.03.2021</a:t>
+              <a:t>08.04.2021</a:t>
             </a:fld>
             <a:endParaRPr lang="ru-RU"/>
           </a:p>
@@ -2910,7 +2928,7 @@
           <a:p>
             <a:fld id="{01BAE283-9B81-46E0-A406-40311CC05632}" type="datetimeFigureOut">
               <a:rPr lang="ru-RU" smtClean="0"/>
-              <a:t>07.03.2021</a:t>
+              <a:t>08.04.2021</a:t>
             </a:fld>
             <a:endParaRPr lang="ru-RU"/>
           </a:p>
@@ -3392,7 +3410,7 @@
                 <a:latin typeface="Times New Roman" panose="02020603050405020304" pitchFamily="18" charset="0"/>
                 <a:cs typeface="Times New Roman" panose="02020603050405020304" pitchFamily="18" charset="0"/>
               </a:rPr>
-              <a:t>на тему «Структурное представление»</a:t>
+              <a:t>на тему «Развитие информационных технологий»</a:t>
             </a:r>
           </a:p>
         </p:txBody>
@@ -3515,6 +3533,1352 @@
     <p:extLst>
       <p:ext uri="{BB962C8B-B14F-4D97-AF65-F5344CB8AC3E}">
         <p14:creationId xmlns:p14="http://schemas.microsoft.com/office/powerpoint/2010/main" val="3078293903"/>
+      </p:ext>
+    </p:extLst>
+  </p:cSld>
+  <p:clrMapOvr>
+    <a:masterClrMapping/>
+  </p:clrMapOvr>
+</p:sld>
+</file>
+
+<file path=ppt/slides/slide10.xml><?xml version="1.0" encoding="utf-8"?>
+<p:sld xmlns:a="http://schemas.openxmlformats.org/drawingml/2006/main" xmlns:r="http://schemas.openxmlformats.org/officeDocument/2006/relationships" xmlns:p="http://schemas.openxmlformats.org/presentationml/2006/main">
+  <p:cSld>
+    <p:spTree>
+      <p:nvGrpSpPr>
+        <p:cNvPr id="1" name=""/>
+        <p:cNvGrpSpPr/>
+        <p:nvPr/>
+      </p:nvGrpSpPr>
+      <p:grpSpPr>
+        <a:xfrm>
+          <a:off x="0" y="0"/>
+          <a:ext cx="0" cy="0"/>
+          <a:chOff x="0" y="0"/>
+          <a:chExt cx="0" cy="0"/>
+        </a:xfrm>
+      </p:grpSpPr>
+      <p:sp>
+        <p:nvSpPr>
+          <p:cNvPr id="3" name="Объект 2">
+            <a:extLst>
+              <a:ext uri="{FF2B5EF4-FFF2-40B4-BE49-F238E27FC236}">
+                <a16:creationId xmlns:a16="http://schemas.microsoft.com/office/drawing/2014/main" id="{F5FB961B-6FFD-4876-AA14-A8060D196104}"/>
+              </a:ext>
+            </a:extLst>
+          </p:cNvPr>
+          <p:cNvSpPr>
+            <a:spLocks noGrp="1"/>
+          </p:cNvSpPr>
+          <p:nvPr>
+            <p:ph idx="1"/>
+          </p:nvPr>
+        </p:nvSpPr>
+        <p:spPr>
+          <a:xfrm>
+            <a:off x="321013" y="1253330"/>
+            <a:ext cx="11556460" cy="5604669"/>
+          </a:xfrm>
+        </p:spPr>
+        <p:txBody>
+          <a:bodyPr>
+            <a:noAutofit/>
+          </a:bodyPr>
+          <a:lstStyle/>
+          <a:p>
+            <a:pPr marL="0" indent="450000" algn="just">
+              <a:lnSpc>
+                <a:spcPct val="150000"/>
+              </a:lnSpc>
+              <a:spcBef>
+                <a:spcPts val="0"/>
+              </a:spcBef>
+              <a:buNone/>
+            </a:pPr>
+            <a:r>
+              <a:rPr lang="ru-RU" sz="2400" dirty="0">
+                <a:effectLst/>
+                <a:latin typeface="Times New Roman" panose="02020603050405020304" pitchFamily="18" charset="0"/>
+                <a:ea typeface="Times New Roman" panose="02020603050405020304" pitchFamily="18" charset="0"/>
+              </a:rPr>
+              <a:t>Внедрение информационных технологий может приводить к организационным изменениям различной степени: от минимальных до далеко идущих. Всё зависит от стратегии развития компании, предметной области её деятельности, от развитости сети бизнес-процессов, от степени интегрированности информационных ресурсов и, конечно, от степени решимости и настойчивости высшего руководства предприятия довести начатые преобразования до логического завершения (таблица 1.4).</a:t>
+            </a:r>
+          </a:p>
+          <a:p>
+            <a:pPr marL="0" indent="450000" algn="just">
+              <a:lnSpc>
+                <a:spcPct val="150000"/>
+              </a:lnSpc>
+              <a:spcBef>
+                <a:spcPts val="0"/>
+              </a:spcBef>
+              <a:buNone/>
+            </a:pPr>
+            <a:endParaRPr lang="ru-RU" sz="3600" dirty="0"/>
+          </a:p>
+        </p:txBody>
+      </p:sp>
+      <p:pic>
+        <p:nvPicPr>
+          <p:cNvPr id="4" name="Picture 2" descr="C:\Users\Design\Desktop\Презент\3.jpg">
+            <a:extLst>
+              <a:ext uri="{FF2B5EF4-FFF2-40B4-BE49-F238E27FC236}">
+                <a16:creationId xmlns:a16="http://schemas.microsoft.com/office/drawing/2014/main" id="{B6296221-4B9F-4578-A2E5-243D55CCA001}"/>
+              </a:ext>
+            </a:extLst>
+          </p:cNvPr>
+          <p:cNvPicPr>
+            <a:picLocks noChangeAspect="1" noChangeArrowheads="1"/>
+          </p:cNvPicPr>
+          <p:nvPr/>
+        </p:nvPicPr>
+        <p:blipFill>
+          <a:blip r:embed="rId2" cstate="print"/>
+          <a:srcRect/>
+          <a:stretch>
+            <a:fillRect/>
+          </a:stretch>
+        </p:blipFill>
+        <p:spPr bwMode="auto">
+          <a:xfrm>
+            <a:off x="-12826" y="0"/>
+            <a:ext cx="12204826" cy="1154894"/>
+          </a:xfrm>
+          <a:prstGeom prst="rect">
+            <a:avLst/>
+          </a:prstGeom>
+          <a:noFill/>
+        </p:spPr>
+      </p:pic>
+    </p:spTree>
+    <p:extLst>
+      <p:ext uri="{BB962C8B-B14F-4D97-AF65-F5344CB8AC3E}">
+        <p14:creationId xmlns:p14="http://schemas.microsoft.com/office/powerpoint/2010/main" val="82033537"/>
+      </p:ext>
+    </p:extLst>
+  </p:cSld>
+  <p:clrMapOvr>
+    <a:masterClrMapping/>
+  </p:clrMapOvr>
+</p:sld>
+</file>
+
+<file path=ppt/slides/slide11.xml><?xml version="1.0" encoding="utf-8"?>
+<p:sld xmlns:a="http://schemas.openxmlformats.org/drawingml/2006/main" xmlns:r="http://schemas.openxmlformats.org/officeDocument/2006/relationships" xmlns:p="http://schemas.openxmlformats.org/presentationml/2006/main">
+  <p:cSld>
+    <p:spTree>
+      <p:nvGrpSpPr>
+        <p:cNvPr id="1" name=""/>
+        <p:cNvGrpSpPr/>
+        <p:nvPr/>
+      </p:nvGrpSpPr>
+      <p:grpSpPr>
+        <a:xfrm>
+          <a:off x="0" y="0"/>
+          <a:ext cx="0" cy="0"/>
+          <a:chOff x="0" y="0"/>
+          <a:chExt cx="0" cy="0"/>
+        </a:xfrm>
+      </p:grpSpPr>
+      <p:pic>
+        <p:nvPicPr>
+          <p:cNvPr id="5" name="Объект 4">
+            <a:extLst>
+              <a:ext uri="{FF2B5EF4-FFF2-40B4-BE49-F238E27FC236}">
+                <a16:creationId xmlns:a16="http://schemas.microsoft.com/office/drawing/2014/main" id="{F5D0AFCB-0270-4314-874F-023772D293F9}"/>
+              </a:ext>
+            </a:extLst>
+          </p:cNvPr>
+          <p:cNvPicPr>
+            <a:picLocks noGrp="1" noChangeAspect="1"/>
+          </p:cNvPicPr>
+          <p:nvPr>
+            <p:ph idx="1"/>
+          </p:nvPr>
+        </p:nvPicPr>
+        <p:blipFill>
+          <a:blip r:embed="rId2"/>
+          <a:stretch>
+            <a:fillRect/>
+          </a:stretch>
+        </p:blipFill>
+        <p:spPr>
+          <a:xfrm>
+            <a:off x="947094" y="1154894"/>
+            <a:ext cx="10284985" cy="5343018"/>
+          </a:xfrm>
+        </p:spPr>
+      </p:pic>
+      <p:pic>
+        <p:nvPicPr>
+          <p:cNvPr id="4" name="Picture 2" descr="C:\Users\Design\Desktop\Презент\3.jpg">
+            <a:extLst>
+              <a:ext uri="{FF2B5EF4-FFF2-40B4-BE49-F238E27FC236}">
+                <a16:creationId xmlns:a16="http://schemas.microsoft.com/office/drawing/2014/main" id="{B6296221-4B9F-4578-A2E5-243D55CCA001}"/>
+              </a:ext>
+            </a:extLst>
+          </p:cNvPr>
+          <p:cNvPicPr>
+            <a:picLocks noChangeAspect="1" noChangeArrowheads="1"/>
+          </p:cNvPicPr>
+          <p:nvPr/>
+        </p:nvPicPr>
+        <p:blipFill>
+          <a:blip r:embed="rId3" cstate="print"/>
+          <a:srcRect/>
+          <a:stretch>
+            <a:fillRect/>
+          </a:stretch>
+        </p:blipFill>
+        <p:spPr bwMode="auto">
+          <a:xfrm>
+            <a:off x="-12826" y="0"/>
+            <a:ext cx="12204826" cy="1154894"/>
+          </a:xfrm>
+          <a:prstGeom prst="rect">
+            <a:avLst/>
+          </a:prstGeom>
+          <a:noFill/>
+        </p:spPr>
+      </p:pic>
+    </p:spTree>
+    <p:extLst>
+      <p:ext uri="{BB962C8B-B14F-4D97-AF65-F5344CB8AC3E}">
+        <p14:creationId xmlns:p14="http://schemas.microsoft.com/office/powerpoint/2010/main" val="476144068"/>
+      </p:ext>
+    </p:extLst>
+  </p:cSld>
+  <p:clrMapOvr>
+    <a:masterClrMapping/>
+  </p:clrMapOvr>
+</p:sld>
+</file>
+
+<file path=ppt/slides/slide12.xml><?xml version="1.0" encoding="utf-8"?>
+<p:sld xmlns:a="http://schemas.openxmlformats.org/drawingml/2006/main" xmlns:r="http://schemas.openxmlformats.org/officeDocument/2006/relationships" xmlns:p="http://schemas.openxmlformats.org/presentationml/2006/main">
+  <p:cSld>
+    <p:spTree>
+      <p:nvGrpSpPr>
+        <p:cNvPr id="1" name=""/>
+        <p:cNvGrpSpPr/>
+        <p:nvPr/>
+      </p:nvGrpSpPr>
+      <p:grpSpPr>
+        <a:xfrm>
+          <a:off x="0" y="0"/>
+          <a:ext cx="0" cy="0"/>
+          <a:chOff x="0" y="0"/>
+          <a:chExt cx="0" cy="0"/>
+        </a:xfrm>
+      </p:grpSpPr>
+      <p:pic>
+        <p:nvPicPr>
+          <p:cNvPr id="7" name="Объект 6">
+            <a:extLst>
+              <a:ext uri="{FF2B5EF4-FFF2-40B4-BE49-F238E27FC236}">
+                <a16:creationId xmlns:a16="http://schemas.microsoft.com/office/drawing/2014/main" id="{B0BA843C-C091-4102-8296-55ADB070585E}"/>
+              </a:ext>
+            </a:extLst>
+          </p:cNvPr>
+          <p:cNvPicPr>
+            <a:picLocks noGrp="1" noChangeAspect="1"/>
+          </p:cNvPicPr>
+          <p:nvPr>
+            <p:ph idx="1"/>
+          </p:nvPr>
+        </p:nvPicPr>
+        <p:blipFill>
+          <a:blip r:embed="rId2"/>
+          <a:stretch>
+            <a:fillRect/>
+          </a:stretch>
+        </p:blipFill>
+        <p:spPr>
+          <a:xfrm>
+            <a:off x="155313" y="1302836"/>
+            <a:ext cx="11760560" cy="4142924"/>
+          </a:xfrm>
+        </p:spPr>
+      </p:pic>
+      <p:pic>
+        <p:nvPicPr>
+          <p:cNvPr id="4" name="Picture 2" descr="C:\Users\Design\Desktop\Презент\3.jpg">
+            <a:extLst>
+              <a:ext uri="{FF2B5EF4-FFF2-40B4-BE49-F238E27FC236}">
+                <a16:creationId xmlns:a16="http://schemas.microsoft.com/office/drawing/2014/main" id="{B6296221-4B9F-4578-A2E5-243D55CCA001}"/>
+              </a:ext>
+            </a:extLst>
+          </p:cNvPr>
+          <p:cNvPicPr>
+            <a:picLocks noChangeAspect="1" noChangeArrowheads="1"/>
+          </p:cNvPicPr>
+          <p:nvPr/>
+        </p:nvPicPr>
+        <p:blipFill>
+          <a:blip r:embed="rId3" cstate="print"/>
+          <a:srcRect/>
+          <a:stretch>
+            <a:fillRect/>
+          </a:stretch>
+        </p:blipFill>
+        <p:spPr bwMode="auto">
+          <a:xfrm>
+            <a:off x="-12826" y="0"/>
+            <a:ext cx="12204826" cy="1154894"/>
+          </a:xfrm>
+          <a:prstGeom prst="rect">
+            <a:avLst/>
+          </a:prstGeom>
+          <a:noFill/>
+        </p:spPr>
+      </p:pic>
+    </p:spTree>
+    <p:extLst>
+      <p:ext uri="{BB962C8B-B14F-4D97-AF65-F5344CB8AC3E}">
+        <p14:creationId xmlns:p14="http://schemas.microsoft.com/office/powerpoint/2010/main" val="2705463995"/>
+      </p:ext>
+    </p:extLst>
+  </p:cSld>
+  <p:clrMapOvr>
+    <a:masterClrMapping/>
+  </p:clrMapOvr>
+</p:sld>
+</file>
+
+<file path=ppt/slides/slide13.xml><?xml version="1.0" encoding="utf-8"?>
+<p:sld xmlns:a="http://schemas.openxmlformats.org/drawingml/2006/main" xmlns:r="http://schemas.openxmlformats.org/officeDocument/2006/relationships" xmlns:p="http://schemas.openxmlformats.org/presentationml/2006/main">
+  <p:cSld>
+    <p:spTree>
+      <p:nvGrpSpPr>
+        <p:cNvPr id="1" name=""/>
+        <p:cNvGrpSpPr/>
+        <p:nvPr/>
+      </p:nvGrpSpPr>
+      <p:grpSpPr>
+        <a:xfrm>
+          <a:off x="0" y="0"/>
+          <a:ext cx="0" cy="0"/>
+          <a:chOff x="0" y="0"/>
+          <a:chExt cx="0" cy="0"/>
+        </a:xfrm>
+      </p:grpSpPr>
+      <p:sp>
+        <p:nvSpPr>
+          <p:cNvPr id="3" name="Объект 2">
+            <a:extLst>
+              <a:ext uri="{FF2B5EF4-FFF2-40B4-BE49-F238E27FC236}">
+                <a16:creationId xmlns:a16="http://schemas.microsoft.com/office/drawing/2014/main" id="{F5FB961B-6FFD-4876-AA14-A8060D196104}"/>
+              </a:ext>
+            </a:extLst>
+          </p:cNvPr>
+          <p:cNvSpPr>
+            <a:spLocks noGrp="1"/>
+          </p:cNvSpPr>
+          <p:nvPr>
+            <p:ph idx="1"/>
+          </p:nvPr>
+        </p:nvSpPr>
+        <p:spPr>
+          <a:xfrm>
+            <a:off x="321013" y="1253330"/>
+            <a:ext cx="11556460" cy="5604669"/>
+          </a:xfrm>
+        </p:spPr>
+        <p:txBody>
+          <a:bodyPr>
+            <a:noAutofit/>
+          </a:bodyPr>
+          <a:lstStyle/>
+          <a:p>
+            <a:pPr marL="0" indent="457200" algn="just">
+              <a:lnSpc>
+                <a:spcPct val="150000"/>
+              </a:lnSpc>
+              <a:spcBef>
+                <a:spcPts val="0"/>
+              </a:spcBef>
+              <a:buNone/>
+            </a:pPr>
+            <a:r>
+              <a:rPr lang="ru-RU" sz="2000" dirty="0">
+                <a:effectLst/>
+                <a:latin typeface="Times New Roman" panose="02020603050405020304" pitchFamily="18" charset="0"/>
+                <a:ea typeface="Times New Roman" panose="02020603050405020304" pitchFamily="18" charset="0"/>
+              </a:rPr>
+              <a:t>На </a:t>
+            </a:r>
+            <a:r>
+              <a:rPr lang="ru-RU" sz="2000" u="none" strike="noStrike" dirty="0">
+                <a:effectLst/>
+                <a:latin typeface="Times New Roman" panose="02020603050405020304" pitchFamily="18" charset="0"/>
+                <a:ea typeface="Times New Roman" panose="02020603050405020304" pitchFamily="18" charset="0"/>
+              </a:rPr>
+              <a:t>рисунке 1.3</a:t>
+            </a:r>
+            <a:r>
+              <a:rPr lang="ru-RU" sz="2000" dirty="0">
+                <a:effectLst/>
+                <a:latin typeface="Times New Roman" panose="02020603050405020304" pitchFamily="18" charset="0"/>
+                <a:ea typeface="Times New Roman" panose="02020603050405020304" pitchFamily="18" charset="0"/>
+              </a:rPr>
+              <a:t> показаны четыре основных класса структурных изменений в компании, которые поддерживаются информационными технологиями. Каждый из них имеет свои последствия и риски.</a:t>
+            </a:r>
+          </a:p>
+          <a:p>
+            <a:pPr marL="0" indent="457200" algn="just">
+              <a:lnSpc>
+                <a:spcPct val="150000"/>
+              </a:lnSpc>
+              <a:spcBef>
+                <a:spcPts val="0"/>
+              </a:spcBef>
+              <a:buNone/>
+            </a:pPr>
+            <a:r>
+              <a:rPr lang="ru-RU" sz="2000" dirty="0">
+                <a:effectLst/>
+                <a:latin typeface="Times New Roman" panose="02020603050405020304" pitchFamily="18" charset="0"/>
+                <a:ea typeface="Times New Roman" panose="02020603050405020304" pitchFamily="18" charset="0"/>
+              </a:rPr>
+              <a:t>Наиболее распространенная форма организационных изменений с помощью ИТ — автоматизация бизнес-процессов (</a:t>
+            </a:r>
+            <a:r>
+              <a:rPr lang="ru-RU" sz="2000" i="1" dirty="0" err="1">
+                <a:effectLst/>
+                <a:latin typeface="Times New Roman" panose="02020603050405020304" pitchFamily="18" charset="0"/>
+                <a:ea typeface="Times New Roman" panose="02020603050405020304" pitchFamily="18" charset="0"/>
+              </a:rPr>
+              <a:t>Business</a:t>
+            </a:r>
+            <a:r>
+              <a:rPr lang="ru-RU" sz="2000" i="1" dirty="0">
+                <a:effectLst/>
+                <a:latin typeface="Times New Roman" panose="02020603050405020304" pitchFamily="18" charset="0"/>
+                <a:ea typeface="Times New Roman" panose="02020603050405020304" pitchFamily="18" charset="0"/>
+              </a:rPr>
+              <a:t> </a:t>
+            </a:r>
+            <a:r>
+              <a:rPr lang="ru-RU" sz="2000" i="1" dirty="0" err="1">
+                <a:effectLst/>
+                <a:latin typeface="Times New Roman" panose="02020603050405020304" pitchFamily="18" charset="0"/>
+                <a:ea typeface="Times New Roman" panose="02020603050405020304" pitchFamily="18" charset="0"/>
+              </a:rPr>
+              <a:t>Process</a:t>
+            </a:r>
+            <a:r>
+              <a:rPr lang="ru-RU" sz="2000" i="1" dirty="0">
+                <a:effectLst/>
+                <a:latin typeface="Times New Roman" panose="02020603050405020304" pitchFamily="18" charset="0"/>
+                <a:ea typeface="Times New Roman" panose="02020603050405020304" pitchFamily="18" charset="0"/>
+              </a:rPr>
+              <a:t> </a:t>
+            </a:r>
+            <a:r>
+              <a:rPr lang="ru-RU" sz="2000" i="1" dirty="0" err="1">
+                <a:effectLst/>
+                <a:latin typeface="Times New Roman" panose="02020603050405020304" pitchFamily="18" charset="0"/>
+                <a:ea typeface="Times New Roman" panose="02020603050405020304" pitchFamily="18" charset="0"/>
+              </a:rPr>
+              <a:t>Automation</a:t>
+            </a:r>
+            <a:r>
+              <a:rPr lang="ru-RU" sz="2000" i="1" dirty="0">
+                <a:effectLst/>
+                <a:latin typeface="Times New Roman" panose="02020603050405020304" pitchFamily="18" charset="0"/>
+                <a:ea typeface="Times New Roman" panose="02020603050405020304" pitchFamily="18" charset="0"/>
+              </a:rPr>
+              <a:t> ‒ BPA</a:t>
+            </a:r>
+            <a:r>
+              <a:rPr lang="ru-RU" sz="2000" dirty="0">
+                <a:effectLst/>
+                <a:latin typeface="Times New Roman" panose="02020603050405020304" pitchFamily="18" charset="0"/>
+                <a:ea typeface="Times New Roman" panose="02020603050405020304" pitchFamily="18" charset="0"/>
+              </a:rPr>
+              <a:t>). Первые приложения, разработанные с помощью ИТ, затронули финансовые операции и документооборот, так как это наиболее формализованная часть деловых процессов компании. Расчеты и исполнение платежей, контроль транзакций и перемещения документов, прямой доступ клиентов к своим депозитам — вот стандартные примеры ранней автоматизации. Риск внедрения этих технологий был минимальным, выигрыш очень большим.</a:t>
+            </a:r>
+          </a:p>
+          <a:p>
+            <a:pPr marL="0" indent="457200" algn="just">
+              <a:lnSpc>
+                <a:spcPct val="150000"/>
+              </a:lnSpc>
+              <a:spcBef>
+                <a:spcPts val="0"/>
+              </a:spcBef>
+              <a:buNone/>
+            </a:pPr>
+            <a:r>
+              <a:rPr lang="ru-RU" sz="2000" dirty="0">
+                <a:effectLst/>
+                <a:latin typeface="Times New Roman" panose="02020603050405020304" pitchFamily="18" charset="0"/>
+                <a:ea typeface="Times New Roman" panose="02020603050405020304" pitchFamily="18" charset="0"/>
+              </a:rPr>
+              <a:t>Более глубокая форма организационного изменения, уже затрагивающая структуру производства, ‒ рационализация рабочих процедур или улучшение процессов (</a:t>
+            </a:r>
+            <a:r>
+              <a:rPr lang="ru-RU" sz="2000" i="1" dirty="0" err="1">
+                <a:effectLst/>
+                <a:latin typeface="Times New Roman" panose="02020603050405020304" pitchFamily="18" charset="0"/>
+                <a:ea typeface="Times New Roman" panose="02020603050405020304" pitchFamily="18" charset="0"/>
+              </a:rPr>
+              <a:t>Business</a:t>
+            </a:r>
+            <a:r>
+              <a:rPr lang="ru-RU" sz="2000" i="1" dirty="0">
+                <a:effectLst/>
+                <a:latin typeface="Times New Roman" panose="02020603050405020304" pitchFamily="18" charset="0"/>
+                <a:ea typeface="Times New Roman" panose="02020603050405020304" pitchFamily="18" charset="0"/>
+              </a:rPr>
+              <a:t> </a:t>
+            </a:r>
+            <a:r>
+              <a:rPr lang="ru-RU" sz="2000" i="1" dirty="0" err="1">
+                <a:effectLst/>
+                <a:latin typeface="Times New Roman" panose="02020603050405020304" pitchFamily="18" charset="0"/>
+                <a:ea typeface="Times New Roman" panose="02020603050405020304" pitchFamily="18" charset="0"/>
+              </a:rPr>
+              <a:t>Process</a:t>
+            </a:r>
+            <a:r>
+              <a:rPr lang="ru-RU" sz="2000" i="1" dirty="0">
+                <a:effectLst/>
+                <a:latin typeface="Times New Roman" panose="02020603050405020304" pitchFamily="18" charset="0"/>
+                <a:ea typeface="Times New Roman" panose="02020603050405020304" pitchFamily="18" charset="0"/>
+              </a:rPr>
+              <a:t> </a:t>
+            </a:r>
+            <a:r>
+              <a:rPr lang="ru-RU" sz="2000" i="1" dirty="0" err="1">
+                <a:effectLst/>
+                <a:latin typeface="Times New Roman" panose="02020603050405020304" pitchFamily="18" charset="0"/>
+                <a:ea typeface="Times New Roman" panose="02020603050405020304" pitchFamily="18" charset="0"/>
+              </a:rPr>
+              <a:t>Improvement</a:t>
+            </a:r>
+            <a:r>
+              <a:rPr lang="ru-RU" sz="2000" i="1" dirty="0">
+                <a:effectLst/>
+                <a:latin typeface="Times New Roman" panose="02020603050405020304" pitchFamily="18" charset="0"/>
+                <a:ea typeface="Times New Roman" panose="02020603050405020304" pitchFamily="18" charset="0"/>
+              </a:rPr>
+              <a:t> ‒ BPI</a:t>
+            </a:r>
+            <a:r>
+              <a:rPr lang="ru-RU" sz="2000" dirty="0">
+                <a:effectLst/>
+                <a:latin typeface="Times New Roman" panose="02020603050405020304" pitchFamily="18" charset="0"/>
+                <a:ea typeface="Times New Roman" panose="02020603050405020304" pitchFamily="18" charset="0"/>
+              </a:rPr>
+              <a:t>).</a:t>
+            </a:r>
+          </a:p>
+        </p:txBody>
+      </p:sp>
+      <p:pic>
+        <p:nvPicPr>
+          <p:cNvPr id="4" name="Picture 2" descr="C:\Users\Design\Desktop\Презент\3.jpg">
+            <a:extLst>
+              <a:ext uri="{FF2B5EF4-FFF2-40B4-BE49-F238E27FC236}">
+                <a16:creationId xmlns:a16="http://schemas.microsoft.com/office/drawing/2014/main" id="{B6296221-4B9F-4578-A2E5-243D55CCA001}"/>
+              </a:ext>
+            </a:extLst>
+          </p:cNvPr>
+          <p:cNvPicPr>
+            <a:picLocks noChangeAspect="1" noChangeArrowheads="1"/>
+          </p:cNvPicPr>
+          <p:nvPr/>
+        </p:nvPicPr>
+        <p:blipFill>
+          <a:blip r:embed="rId2" cstate="print"/>
+          <a:srcRect/>
+          <a:stretch>
+            <a:fillRect/>
+          </a:stretch>
+        </p:blipFill>
+        <p:spPr bwMode="auto">
+          <a:xfrm>
+            <a:off x="-12826" y="0"/>
+            <a:ext cx="12204826" cy="1154894"/>
+          </a:xfrm>
+          <a:prstGeom prst="rect">
+            <a:avLst/>
+          </a:prstGeom>
+          <a:noFill/>
+        </p:spPr>
+      </p:pic>
+    </p:spTree>
+    <p:extLst>
+      <p:ext uri="{BB962C8B-B14F-4D97-AF65-F5344CB8AC3E}">
+        <p14:creationId xmlns:p14="http://schemas.microsoft.com/office/powerpoint/2010/main" val="14700462"/>
+      </p:ext>
+    </p:extLst>
+  </p:cSld>
+  <p:clrMapOvr>
+    <a:masterClrMapping/>
+  </p:clrMapOvr>
+</p:sld>
+</file>
+
+<file path=ppt/slides/slide14.xml><?xml version="1.0" encoding="utf-8"?>
+<p:sld xmlns:a="http://schemas.openxmlformats.org/drawingml/2006/main" xmlns:r="http://schemas.openxmlformats.org/officeDocument/2006/relationships" xmlns:p="http://schemas.openxmlformats.org/presentationml/2006/main">
+  <p:cSld>
+    <p:spTree>
+      <p:nvGrpSpPr>
+        <p:cNvPr id="1" name=""/>
+        <p:cNvGrpSpPr/>
+        <p:nvPr/>
+      </p:nvGrpSpPr>
+      <p:grpSpPr>
+        <a:xfrm>
+          <a:off x="0" y="0"/>
+          <a:ext cx="0" cy="0"/>
+          <a:chOff x="0" y="0"/>
+          <a:chExt cx="0" cy="0"/>
+        </a:xfrm>
+      </p:grpSpPr>
+      <p:sp>
+        <p:nvSpPr>
+          <p:cNvPr id="3" name="Объект 2">
+            <a:extLst>
+              <a:ext uri="{FF2B5EF4-FFF2-40B4-BE49-F238E27FC236}">
+                <a16:creationId xmlns:a16="http://schemas.microsoft.com/office/drawing/2014/main" id="{F5FB961B-6FFD-4876-AA14-A8060D196104}"/>
+              </a:ext>
+            </a:extLst>
+          </p:cNvPr>
+          <p:cNvSpPr>
+            <a:spLocks noGrp="1"/>
+          </p:cNvSpPr>
+          <p:nvPr>
+            <p:ph idx="1"/>
+          </p:nvPr>
+        </p:nvSpPr>
+        <p:spPr>
+          <a:xfrm>
+            <a:off x="321013" y="1253330"/>
+            <a:ext cx="11556460" cy="5604669"/>
+          </a:xfrm>
+        </p:spPr>
+        <p:txBody>
+          <a:bodyPr>
+            <a:noAutofit/>
+          </a:bodyPr>
+          <a:lstStyle/>
+          <a:p>
+            <a:pPr marL="0" indent="450000" algn="just">
+              <a:lnSpc>
+                <a:spcPct val="150000"/>
+              </a:lnSpc>
+              <a:spcBef>
+                <a:spcPts val="0"/>
+              </a:spcBef>
+              <a:buNone/>
+            </a:pPr>
+            <a:r>
+              <a:rPr lang="ru-RU" sz="2000" dirty="0">
+                <a:effectLst/>
+                <a:latin typeface="Times New Roman" panose="02020603050405020304" pitchFamily="18" charset="0"/>
+                <a:ea typeface="Times New Roman" panose="02020603050405020304" pitchFamily="18" charset="0"/>
+              </a:rPr>
+              <a:t>Для наведения порядка в сложных и распределенных процедурах и процессах необходимо изменять порядок их выполнения. Суть изменений ‒ рациональное выстраивание технологических процедур, экономия процессного пространства и времени. Рационализация также не привносит большого дополнительного риска, так как она может начинаться с локальных процедур и процессов и только после получения экономического эффекта распространяться на все предприятие. </a:t>
+            </a:r>
+          </a:p>
+          <a:p>
+            <a:pPr marL="0" indent="450000" algn="just">
+              <a:lnSpc>
+                <a:spcPct val="150000"/>
+              </a:lnSpc>
+              <a:spcBef>
+                <a:spcPts val="0"/>
+              </a:spcBef>
+              <a:buNone/>
+            </a:pPr>
+            <a:r>
+              <a:rPr lang="ru-RU" sz="2000" dirty="0">
+                <a:effectLst/>
+                <a:latin typeface="Times New Roman" panose="02020603050405020304" pitchFamily="18" charset="0"/>
+                <a:ea typeface="Times New Roman" panose="02020603050405020304" pitchFamily="18" charset="0"/>
+              </a:rPr>
+              <a:t>Более серьезный тип изменений </a:t>
+            </a:r>
+            <a:r>
+              <a:rPr lang="ru-RU" sz="2000" i="1" dirty="0">
+                <a:effectLst/>
+                <a:latin typeface="Times New Roman" panose="02020603050405020304" pitchFamily="18" charset="0"/>
+                <a:ea typeface="Times New Roman" panose="02020603050405020304" pitchFamily="18" charset="0"/>
+              </a:rPr>
+              <a:t>‒</a:t>
+            </a:r>
+            <a:r>
+              <a:rPr lang="ru-RU" sz="2000" dirty="0">
+                <a:effectLst/>
+                <a:latin typeface="Times New Roman" panose="02020603050405020304" pitchFamily="18" charset="0"/>
+                <a:ea typeface="Times New Roman" panose="02020603050405020304" pitchFamily="18" charset="0"/>
+              </a:rPr>
+              <a:t> реинжиниринг (перепроектирование) бизнес-процессов (</a:t>
+            </a:r>
+            <a:r>
+              <a:rPr lang="ru-RU" sz="2000" i="1" dirty="0" err="1">
+                <a:effectLst/>
+                <a:latin typeface="Times New Roman" panose="02020603050405020304" pitchFamily="18" charset="0"/>
+                <a:ea typeface="Times New Roman" panose="02020603050405020304" pitchFamily="18" charset="0"/>
+              </a:rPr>
+              <a:t>Business</a:t>
+            </a:r>
+            <a:r>
+              <a:rPr lang="ru-RU" sz="2000" i="1" dirty="0">
+                <a:effectLst/>
+                <a:latin typeface="Times New Roman" panose="02020603050405020304" pitchFamily="18" charset="0"/>
+                <a:ea typeface="Times New Roman" panose="02020603050405020304" pitchFamily="18" charset="0"/>
+              </a:rPr>
+              <a:t> </a:t>
+            </a:r>
+            <a:r>
+              <a:rPr lang="ru-RU" sz="2000" i="1" dirty="0" err="1">
+                <a:effectLst/>
+                <a:latin typeface="Times New Roman" panose="02020603050405020304" pitchFamily="18" charset="0"/>
+                <a:ea typeface="Times New Roman" panose="02020603050405020304" pitchFamily="18" charset="0"/>
+              </a:rPr>
+              <a:t>Process</a:t>
+            </a:r>
+            <a:r>
+              <a:rPr lang="ru-RU" sz="2000" i="1" dirty="0">
+                <a:effectLst/>
+                <a:latin typeface="Times New Roman" panose="02020603050405020304" pitchFamily="18" charset="0"/>
+                <a:ea typeface="Times New Roman" panose="02020603050405020304" pitchFamily="18" charset="0"/>
+              </a:rPr>
+              <a:t> </a:t>
+            </a:r>
+            <a:r>
+              <a:rPr lang="ru-RU" sz="2000" i="1" dirty="0" err="1">
+                <a:effectLst/>
+                <a:latin typeface="Times New Roman" panose="02020603050405020304" pitchFamily="18" charset="0"/>
+                <a:ea typeface="Times New Roman" panose="02020603050405020304" pitchFamily="18" charset="0"/>
+              </a:rPr>
+              <a:t>Reenginee-ring</a:t>
+            </a:r>
+            <a:r>
+              <a:rPr lang="ru-RU" sz="2000" i="1" dirty="0">
+                <a:effectLst/>
+                <a:latin typeface="Times New Roman" panose="02020603050405020304" pitchFamily="18" charset="0"/>
+                <a:ea typeface="Times New Roman" panose="02020603050405020304" pitchFamily="18" charset="0"/>
+              </a:rPr>
+              <a:t> ‒ BPR</a:t>
+            </a:r>
+            <a:r>
+              <a:rPr lang="ru-RU" sz="2000" dirty="0">
+                <a:effectLst/>
+                <a:latin typeface="Times New Roman" panose="02020603050405020304" pitchFamily="18" charset="0"/>
+                <a:ea typeface="Times New Roman" panose="02020603050405020304" pitchFamily="18" charset="0"/>
+              </a:rPr>
+              <a:t>), в течение которого процессы заново идентифицируются, анализируются, переосмысляются и изменяются с целью оптимизировать производство радикально уменьшить затраты. Использование ИТ помогает реализовать все эти процессы с наибольшей эффективностью. Реинжиниринг бизнеса реорганизует производственные и управленческие процессы, комбинирует и улучшает их, устраняет дублирование однотипных операций. Всё это требует нового, свежего видения проблем предприятия и его места в сложившихся рыночных отношениях и в современном мире</a:t>
+            </a:r>
+          </a:p>
+        </p:txBody>
+      </p:sp>
+      <p:pic>
+        <p:nvPicPr>
+          <p:cNvPr id="4" name="Picture 2" descr="C:\Users\Design\Desktop\Презент\3.jpg">
+            <a:extLst>
+              <a:ext uri="{FF2B5EF4-FFF2-40B4-BE49-F238E27FC236}">
+                <a16:creationId xmlns:a16="http://schemas.microsoft.com/office/drawing/2014/main" id="{B6296221-4B9F-4578-A2E5-243D55CCA001}"/>
+              </a:ext>
+            </a:extLst>
+          </p:cNvPr>
+          <p:cNvPicPr>
+            <a:picLocks noChangeAspect="1" noChangeArrowheads="1"/>
+          </p:cNvPicPr>
+          <p:nvPr/>
+        </p:nvPicPr>
+        <p:blipFill>
+          <a:blip r:embed="rId2" cstate="print"/>
+          <a:srcRect/>
+          <a:stretch>
+            <a:fillRect/>
+          </a:stretch>
+        </p:blipFill>
+        <p:spPr bwMode="auto">
+          <a:xfrm>
+            <a:off x="-12826" y="0"/>
+            <a:ext cx="12204826" cy="1154894"/>
+          </a:xfrm>
+          <a:prstGeom prst="rect">
+            <a:avLst/>
+          </a:prstGeom>
+          <a:noFill/>
+        </p:spPr>
+      </p:pic>
+    </p:spTree>
+    <p:extLst>
+      <p:ext uri="{BB962C8B-B14F-4D97-AF65-F5344CB8AC3E}">
+        <p14:creationId xmlns:p14="http://schemas.microsoft.com/office/powerpoint/2010/main" val="3332235541"/>
+      </p:ext>
+    </p:extLst>
+  </p:cSld>
+  <p:clrMapOvr>
+    <a:masterClrMapping/>
+  </p:clrMapOvr>
+</p:sld>
+</file>
+
+<file path=ppt/slides/slide15.xml><?xml version="1.0" encoding="utf-8"?>
+<p:sld xmlns:a="http://schemas.openxmlformats.org/drawingml/2006/main" xmlns:r="http://schemas.openxmlformats.org/officeDocument/2006/relationships" xmlns:p="http://schemas.openxmlformats.org/presentationml/2006/main">
+  <p:cSld>
+    <p:spTree>
+      <p:nvGrpSpPr>
+        <p:cNvPr id="1" name=""/>
+        <p:cNvGrpSpPr/>
+        <p:nvPr/>
+      </p:nvGrpSpPr>
+      <p:grpSpPr>
+        <a:xfrm>
+          <a:off x="0" y="0"/>
+          <a:ext cx="0" cy="0"/>
+          <a:chOff x="0" y="0"/>
+          <a:chExt cx="0" cy="0"/>
+        </a:xfrm>
+      </p:grpSpPr>
+      <p:pic>
+        <p:nvPicPr>
+          <p:cNvPr id="5" name="Объект 4">
+            <a:extLst>
+              <a:ext uri="{FF2B5EF4-FFF2-40B4-BE49-F238E27FC236}">
+                <a16:creationId xmlns:a16="http://schemas.microsoft.com/office/drawing/2014/main" id="{957ADE93-C03D-4B11-A3FB-B8264B6DE687}"/>
+              </a:ext>
+            </a:extLst>
+          </p:cNvPr>
+          <p:cNvPicPr>
+            <a:picLocks noGrp="1" noChangeAspect="1"/>
+          </p:cNvPicPr>
+          <p:nvPr>
+            <p:ph idx="1"/>
+          </p:nvPr>
+        </p:nvPicPr>
+        <p:blipFill>
+          <a:blip r:embed="rId2"/>
+          <a:stretch>
+            <a:fillRect/>
+          </a:stretch>
+        </p:blipFill>
+        <p:spPr>
+          <a:xfrm>
+            <a:off x="1533106" y="1243380"/>
+            <a:ext cx="9125787" cy="4920768"/>
+          </a:xfrm>
+        </p:spPr>
+      </p:pic>
+      <p:pic>
+        <p:nvPicPr>
+          <p:cNvPr id="4" name="Picture 2" descr="C:\Users\Design\Desktop\Презент\3.jpg">
+            <a:extLst>
+              <a:ext uri="{FF2B5EF4-FFF2-40B4-BE49-F238E27FC236}">
+                <a16:creationId xmlns:a16="http://schemas.microsoft.com/office/drawing/2014/main" id="{B6296221-4B9F-4578-A2E5-243D55CCA001}"/>
+              </a:ext>
+            </a:extLst>
+          </p:cNvPr>
+          <p:cNvPicPr>
+            <a:picLocks noChangeAspect="1" noChangeArrowheads="1"/>
+          </p:cNvPicPr>
+          <p:nvPr/>
+        </p:nvPicPr>
+        <p:blipFill>
+          <a:blip r:embed="rId3" cstate="print"/>
+          <a:srcRect/>
+          <a:stretch>
+            <a:fillRect/>
+          </a:stretch>
+        </p:blipFill>
+        <p:spPr bwMode="auto">
+          <a:xfrm>
+            <a:off x="-12826" y="0"/>
+            <a:ext cx="12204826" cy="1154894"/>
+          </a:xfrm>
+          <a:prstGeom prst="rect">
+            <a:avLst/>
+          </a:prstGeom>
+          <a:noFill/>
+        </p:spPr>
+      </p:pic>
+    </p:spTree>
+    <p:extLst>
+      <p:ext uri="{BB962C8B-B14F-4D97-AF65-F5344CB8AC3E}">
+        <p14:creationId xmlns:p14="http://schemas.microsoft.com/office/powerpoint/2010/main" val="4292491499"/>
+      </p:ext>
+    </p:extLst>
+  </p:cSld>
+  <p:clrMapOvr>
+    <a:masterClrMapping/>
+  </p:clrMapOvr>
+</p:sld>
+</file>
+
+<file path=ppt/slides/slide16.xml><?xml version="1.0" encoding="utf-8"?>
+<p:sld xmlns:a="http://schemas.openxmlformats.org/drawingml/2006/main" xmlns:r="http://schemas.openxmlformats.org/officeDocument/2006/relationships" xmlns:p="http://schemas.openxmlformats.org/presentationml/2006/main">
+  <p:cSld>
+    <p:spTree>
+      <p:nvGrpSpPr>
+        <p:cNvPr id="1" name=""/>
+        <p:cNvGrpSpPr/>
+        <p:nvPr/>
+      </p:nvGrpSpPr>
+      <p:grpSpPr>
+        <a:xfrm>
+          <a:off x="0" y="0"/>
+          <a:ext cx="0" cy="0"/>
+          <a:chOff x="0" y="0"/>
+          <a:chExt cx="0" cy="0"/>
+        </a:xfrm>
+      </p:grpSpPr>
+      <p:sp>
+        <p:nvSpPr>
+          <p:cNvPr id="3" name="Объект 2">
+            <a:extLst>
+              <a:ext uri="{FF2B5EF4-FFF2-40B4-BE49-F238E27FC236}">
+                <a16:creationId xmlns:a16="http://schemas.microsoft.com/office/drawing/2014/main" id="{F5FB961B-6FFD-4876-AA14-A8060D196104}"/>
+              </a:ext>
+            </a:extLst>
+          </p:cNvPr>
+          <p:cNvSpPr>
+            <a:spLocks noGrp="1"/>
+          </p:cNvSpPr>
+          <p:nvPr>
+            <p:ph idx="1"/>
+          </p:nvPr>
+        </p:nvSpPr>
+        <p:spPr>
+          <a:xfrm>
+            <a:off x="321013" y="1253330"/>
+            <a:ext cx="11556460" cy="5604669"/>
+          </a:xfrm>
+        </p:spPr>
+        <p:txBody>
+          <a:bodyPr>
+            <a:noAutofit/>
+          </a:bodyPr>
+          <a:lstStyle/>
+          <a:p>
+            <a:pPr marL="0" indent="457200" algn="just">
+              <a:lnSpc>
+                <a:spcPct val="150000"/>
+              </a:lnSpc>
+              <a:spcBef>
+                <a:spcPts val="0"/>
+              </a:spcBef>
+              <a:buNone/>
+            </a:pPr>
+            <a:r>
+              <a:rPr lang="ru-RU" sz="2000" dirty="0">
+                <a:effectLst/>
+                <a:latin typeface="Times New Roman" panose="02020603050405020304" pitchFamily="18" charset="0"/>
+                <a:ea typeface="Times New Roman" panose="02020603050405020304" pitchFamily="18" charset="0"/>
+              </a:rPr>
+              <a:t>Процедуры </a:t>
+            </a:r>
+            <a:r>
+              <a:rPr lang="ru-RU" sz="2000" i="1" dirty="0">
+                <a:effectLst/>
+                <a:latin typeface="Times New Roman" panose="02020603050405020304" pitchFamily="18" charset="0"/>
+                <a:ea typeface="Times New Roman" panose="02020603050405020304" pitchFamily="18" charset="0"/>
+              </a:rPr>
+              <a:t>BPA, BPI</a:t>
+            </a:r>
+            <a:r>
+              <a:rPr lang="ru-RU" sz="2000" dirty="0">
+                <a:effectLst/>
+                <a:latin typeface="Times New Roman" panose="02020603050405020304" pitchFamily="18" charset="0"/>
+                <a:ea typeface="Times New Roman" panose="02020603050405020304" pitchFamily="18" charset="0"/>
+              </a:rPr>
+              <a:t> и </a:t>
+            </a:r>
+            <a:r>
+              <a:rPr lang="ru-RU" sz="2000" i="1" dirty="0">
+                <a:effectLst/>
+                <a:latin typeface="Times New Roman" panose="02020603050405020304" pitchFamily="18" charset="0"/>
+                <a:ea typeface="Times New Roman" panose="02020603050405020304" pitchFamily="18" charset="0"/>
+              </a:rPr>
+              <a:t>BPR</a:t>
+            </a:r>
+            <a:r>
+              <a:rPr lang="ru-RU" sz="2000" dirty="0">
+                <a:effectLst/>
+                <a:latin typeface="Times New Roman" panose="02020603050405020304" pitchFamily="18" charset="0"/>
+                <a:ea typeface="Times New Roman" panose="02020603050405020304" pitchFamily="18" charset="0"/>
+              </a:rPr>
+              <a:t>, как правило, ограничены отдельными функциями, процессами, подразделениями компании или отдельными частями бизнеса. Риск таких изменений становится ощутимым, если предприятие должным образом не подготовлено к необходимым изменениям как в процедурной или процессной областях, так и в системе управления деятельностью предприятия.</a:t>
+            </a:r>
+          </a:p>
+          <a:p>
+            <a:pPr marL="0" indent="457200" algn="just">
+              <a:lnSpc>
+                <a:spcPct val="150000"/>
+              </a:lnSpc>
+              <a:spcBef>
+                <a:spcPts val="0"/>
+              </a:spcBef>
+              <a:buNone/>
+            </a:pPr>
+            <a:r>
+              <a:rPr lang="ru-RU" sz="2000" dirty="0">
+                <a:effectLst/>
+                <a:latin typeface="Times New Roman" panose="02020603050405020304" pitchFamily="18" charset="0"/>
+                <a:ea typeface="Times New Roman" panose="02020603050405020304" pitchFamily="18" charset="0"/>
+              </a:rPr>
+              <a:t>Новые ИТ, в конечном счете, призваны изменить природу всей организации, трансформируя ее цели и стратегические устремления (</a:t>
+            </a:r>
+            <a:r>
+              <a:rPr lang="ru-RU" sz="2000" i="1" dirty="0" err="1">
+                <a:effectLst/>
+                <a:latin typeface="Times New Roman" panose="02020603050405020304" pitchFamily="18" charset="0"/>
+                <a:ea typeface="Times New Roman" panose="02020603050405020304" pitchFamily="18" charset="0"/>
+              </a:rPr>
+              <a:t>Paradigm</a:t>
+            </a:r>
+            <a:r>
+              <a:rPr lang="ru-RU" sz="2000" i="1" dirty="0">
+                <a:effectLst/>
+                <a:latin typeface="Times New Roman" panose="02020603050405020304" pitchFamily="18" charset="0"/>
+                <a:ea typeface="Times New Roman" panose="02020603050405020304" pitchFamily="18" charset="0"/>
+              </a:rPr>
+              <a:t> </a:t>
+            </a:r>
+            <a:r>
+              <a:rPr lang="ru-RU" sz="2000" i="1" dirty="0" err="1">
+                <a:effectLst/>
+                <a:latin typeface="Times New Roman" panose="02020603050405020304" pitchFamily="18" charset="0"/>
+                <a:ea typeface="Times New Roman" panose="02020603050405020304" pitchFamily="18" charset="0"/>
+              </a:rPr>
+              <a:t>Shift</a:t>
+            </a:r>
+            <a:r>
+              <a:rPr lang="ru-RU" sz="2000" i="1" dirty="0">
+                <a:effectLst/>
+                <a:latin typeface="Times New Roman" panose="02020603050405020304" pitchFamily="18" charset="0"/>
+                <a:ea typeface="Times New Roman" panose="02020603050405020304" pitchFamily="18" charset="0"/>
+              </a:rPr>
+              <a:t> ‒ PS</a:t>
+            </a:r>
+            <a:r>
+              <a:rPr lang="ru-RU" sz="2000" dirty="0">
+                <a:effectLst/>
+                <a:latin typeface="Times New Roman" panose="02020603050405020304" pitchFamily="18" charset="0"/>
+                <a:ea typeface="Times New Roman" panose="02020603050405020304" pitchFamily="18" charset="0"/>
+              </a:rPr>
+              <a:t>). Например, освоение принципиально новой ниши рынка, открытие филиалов компании в других странах, приобретение другой компании или слияние с компанией партнера и т. д. Такие организационные изменения обладают наибольшим риском, но они несут и наивысшую отдачу. Руководство компании должно осознанно подходить к изменениям такого типа, понимая всю меру ответственности за принимаемые глобальные решения (таблица 1.5).</a:t>
+            </a:r>
+          </a:p>
+        </p:txBody>
+      </p:sp>
+      <p:pic>
+        <p:nvPicPr>
+          <p:cNvPr id="4" name="Picture 2" descr="C:\Users\Design\Desktop\Презент\3.jpg">
+            <a:extLst>
+              <a:ext uri="{FF2B5EF4-FFF2-40B4-BE49-F238E27FC236}">
+                <a16:creationId xmlns:a16="http://schemas.microsoft.com/office/drawing/2014/main" id="{B6296221-4B9F-4578-A2E5-243D55CCA001}"/>
+              </a:ext>
+            </a:extLst>
+          </p:cNvPr>
+          <p:cNvPicPr>
+            <a:picLocks noChangeAspect="1" noChangeArrowheads="1"/>
+          </p:cNvPicPr>
+          <p:nvPr/>
+        </p:nvPicPr>
+        <p:blipFill>
+          <a:blip r:embed="rId2" cstate="print"/>
+          <a:srcRect/>
+          <a:stretch>
+            <a:fillRect/>
+          </a:stretch>
+        </p:blipFill>
+        <p:spPr bwMode="auto">
+          <a:xfrm>
+            <a:off x="-12826" y="0"/>
+            <a:ext cx="12204826" cy="1154894"/>
+          </a:xfrm>
+          <a:prstGeom prst="rect">
+            <a:avLst/>
+          </a:prstGeom>
+          <a:noFill/>
+        </p:spPr>
+      </p:pic>
+    </p:spTree>
+    <p:extLst>
+      <p:ext uri="{BB962C8B-B14F-4D97-AF65-F5344CB8AC3E}">
+        <p14:creationId xmlns:p14="http://schemas.microsoft.com/office/powerpoint/2010/main" val="3704363251"/>
+      </p:ext>
+    </p:extLst>
+  </p:cSld>
+  <p:clrMapOvr>
+    <a:masterClrMapping/>
+  </p:clrMapOvr>
+</p:sld>
+</file>
+
+<file path=ppt/slides/slide17.xml><?xml version="1.0" encoding="utf-8"?>
+<p:sld xmlns:a="http://schemas.openxmlformats.org/drawingml/2006/main" xmlns:r="http://schemas.openxmlformats.org/officeDocument/2006/relationships" xmlns:p="http://schemas.openxmlformats.org/presentationml/2006/main">
+  <p:cSld>
+    <p:spTree>
+      <p:nvGrpSpPr>
+        <p:cNvPr id="1" name=""/>
+        <p:cNvGrpSpPr/>
+        <p:nvPr/>
+      </p:nvGrpSpPr>
+      <p:grpSpPr>
+        <a:xfrm>
+          <a:off x="0" y="0"/>
+          <a:ext cx="0" cy="0"/>
+          <a:chOff x="0" y="0"/>
+          <a:chExt cx="0" cy="0"/>
+        </a:xfrm>
+      </p:grpSpPr>
+      <p:pic>
+        <p:nvPicPr>
+          <p:cNvPr id="9" name="Объект 8">
+            <a:extLst>
+              <a:ext uri="{FF2B5EF4-FFF2-40B4-BE49-F238E27FC236}">
+                <a16:creationId xmlns:a16="http://schemas.microsoft.com/office/drawing/2014/main" id="{737464A0-4BF0-46B9-872F-6ACB609EEA7C}"/>
+              </a:ext>
+            </a:extLst>
+          </p:cNvPr>
+          <p:cNvPicPr>
+            <a:picLocks noGrp="1" noChangeAspect="1"/>
+          </p:cNvPicPr>
+          <p:nvPr>
+            <p:ph idx="1"/>
+          </p:nvPr>
+        </p:nvPicPr>
+        <p:blipFill>
+          <a:blip r:embed="rId2"/>
+          <a:stretch>
+            <a:fillRect/>
+          </a:stretch>
+        </p:blipFill>
+        <p:spPr>
+          <a:xfrm>
+            <a:off x="2552252" y="1154894"/>
+            <a:ext cx="7087496" cy="5479560"/>
+          </a:xfrm>
+        </p:spPr>
+      </p:pic>
+      <p:pic>
+        <p:nvPicPr>
+          <p:cNvPr id="4" name="Picture 2" descr="C:\Users\Design\Desktop\Презент\3.jpg">
+            <a:extLst>
+              <a:ext uri="{FF2B5EF4-FFF2-40B4-BE49-F238E27FC236}">
+                <a16:creationId xmlns:a16="http://schemas.microsoft.com/office/drawing/2014/main" id="{B6296221-4B9F-4578-A2E5-243D55CCA001}"/>
+              </a:ext>
+            </a:extLst>
+          </p:cNvPr>
+          <p:cNvPicPr>
+            <a:picLocks noChangeAspect="1" noChangeArrowheads="1"/>
+          </p:cNvPicPr>
+          <p:nvPr/>
+        </p:nvPicPr>
+        <p:blipFill>
+          <a:blip r:embed="rId3" cstate="print"/>
+          <a:srcRect/>
+          <a:stretch>
+            <a:fillRect/>
+          </a:stretch>
+        </p:blipFill>
+        <p:spPr bwMode="auto">
+          <a:xfrm>
+            <a:off x="-12826" y="0"/>
+            <a:ext cx="12204826" cy="1154894"/>
+          </a:xfrm>
+          <a:prstGeom prst="rect">
+            <a:avLst/>
+          </a:prstGeom>
+          <a:noFill/>
+        </p:spPr>
+      </p:pic>
+    </p:spTree>
+    <p:extLst>
+      <p:ext uri="{BB962C8B-B14F-4D97-AF65-F5344CB8AC3E}">
+        <p14:creationId xmlns:p14="http://schemas.microsoft.com/office/powerpoint/2010/main" val="3400307290"/>
+      </p:ext>
+    </p:extLst>
+  </p:cSld>
+  <p:clrMapOvr>
+    <a:masterClrMapping/>
+  </p:clrMapOvr>
+</p:sld>
+</file>
+
+<file path=ppt/slides/slide18.xml><?xml version="1.0" encoding="utf-8"?>
+<p:sld xmlns:a="http://schemas.openxmlformats.org/drawingml/2006/main" xmlns:r="http://schemas.openxmlformats.org/officeDocument/2006/relationships" xmlns:p="http://schemas.openxmlformats.org/presentationml/2006/main">
+  <p:cSld>
+    <p:spTree>
+      <p:nvGrpSpPr>
+        <p:cNvPr id="1" name=""/>
+        <p:cNvGrpSpPr/>
+        <p:nvPr/>
+      </p:nvGrpSpPr>
+      <p:grpSpPr>
+        <a:xfrm>
+          <a:off x="0" y="0"/>
+          <a:ext cx="0" cy="0"/>
+          <a:chOff x="0" y="0"/>
+          <a:chExt cx="0" cy="0"/>
+        </a:xfrm>
+      </p:grpSpPr>
+      <p:pic>
+        <p:nvPicPr>
+          <p:cNvPr id="5" name="Объект 4">
+            <a:extLst>
+              <a:ext uri="{FF2B5EF4-FFF2-40B4-BE49-F238E27FC236}">
+                <a16:creationId xmlns:a16="http://schemas.microsoft.com/office/drawing/2014/main" id="{B293EDF7-7353-4ACB-801B-CFC215CD893F}"/>
+              </a:ext>
+            </a:extLst>
+          </p:cNvPr>
+          <p:cNvPicPr>
+            <a:picLocks noGrp="1" noChangeAspect="1"/>
+          </p:cNvPicPr>
+          <p:nvPr>
+            <p:ph idx="1"/>
+          </p:nvPr>
+        </p:nvPicPr>
+        <p:blipFill>
+          <a:blip r:embed="rId2"/>
+          <a:stretch>
+            <a:fillRect/>
+          </a:stretch>
+        </p:blipFill>
+        <p:spPr>
+          <a:xfrm>
+            <a:off x="1398450" y="1394467"/>
+            <a:ext cx="9395100" cy="5205698"/>
+          </a:xfrm>
+        </p:spPr>
+      </p:pic>
+      <p:pic>
+        <p:nvPicPr>
+          <p:cNvPr id="4" name="Picture 2" descr="C:\Users\Design\Desktop\Презент\3.jpg">
+            <a:extLst>
+              <a:ext uri="{FF2B5EF4-FFF2-40B4-BE49-F238E27FC236}">
+                <a16:creationId xmlns:a16="http://schemas.microsoft.com/office/drawing/2014/main" id="{B6296221-4B9F-4578-A2E5-243D55CCA001}"/>
+              </a:ext>
+            </a:extLst>
+          </p:cNvPr>
+          <p:cNvPicPr>
+            <a:picLocks noChangeAspect="1" noChangeArrowheads="1"/>
+          </p:cNvPicPr>
+          <p:nvPr/>
+        </p:nvPicPr>
+        <p:blipFill>
+          <a:blip r:embed="rId3" cstate="print"/>
+          <a:srcRect/>
+          <a:stretch>
+            <a:fillRect/>
+          </a:stretch>
+        </p:blipFill>
+        <p:spPr bwMode="auto">
+          <a:xfrm>
+            <a:off x="-12826" y="0"/>
+            <a:ext cx="12204826" cy="1154894"/>
+          </a:xfrm>
+          <a:prstGeom prst="rect">
+            <a:avLst/>
+          </a:prstGeom>
+          <a:noFill/>
+        </p:spPr>
+      </p:pic>
+    </p:spTree>
+    <p:extLst>
+      <p:ext uri="{BB962C8B-B14F-4D97-AF65-F5344CB8AC3E}">
+        <p14:creationId xmlns:p14="http://schemas.microsoft.com/office/powerpoint/2010/main" val="2317333741"/>
+      </p:ext>
+    </p:extLst>
+  </p:cSld>
+  <p:clrMapOvr>
+    <a:masterClrMapping/>
+  </p:clrMapOvr>
+</p:sld>
+</file>
+
+<file path=ppt/slides/slide19.xml><?xml version="1.0" encoding="utf-8"?>
+<p:sld xmlns:a="http://schemas.openxmlformats.org/drawingml/2006/main" xmlns:r="http://schemas.openxmlformats.org/officeDocument/2006/relationships" xmlns:p="http://schemas.openxmlformats.org/presentationml/2006/main">
+  <p:cSld>
+    <p:spTree>
+      <p:nvGrpSpPr>
+        <p:cNvPr id="1" name=""/>
+        <p:cNvGrpSpPr/>
+        <p:nvPr/>
+      </p:nvGrpSpPr>
+      <p:grpSpPr>
+        <a:xfrm>
+          <a:off x="0" y="0"/>
+          <a:ext cx="0" cy="0"/>
+          <a:chOff x="0" y="0"/>
+          <a:chExt cx="0" cy="0"/>
+        </a:xfrm>
+      </p:grpSpPr>
+      <p:pic>
+        <p:nvPicPr>
+          <p:cNvPr id="5" name="Объект 4">
+            <a:extLst>
+              <a:ext uri="{FF2B5EF4-FFF2-40B4-BE49-F238E27FC236}">
+                <a16:creationId xmlns:a16="http://schemas.microsoft.com/office/drawing/2014/main" id="{9608386D-0A5E-47FD-AAFB-4D4B383C4239}"/>
+              </a:ext>
+            </a:extLst>
+          </p:cNvPr>
+          <p:cNvPicPr>
+            <a:picLocks noGrp="1" noChangeAspect="1"/>
+          </p:cNvPicPr>
+          <p:nvPr>
+            <p:ph idx="1"/>
+          </p:nvPr>
+        </p:nvPicPr>
+        <p:blipFill>
+          <a:blip r:embed="rId2"/>
+          <a:stretch>
+            <a:fillRect/>
+          </a:stretch>
+        </p:blipFill>
+        <p:spPr>
+          <a:xfrm>
+            <a:off x="858070" y="1273855"/>
+            <a:ext cx="10475860" cy="4525152"/>
+          </a:xfrm>
+        </p:spPr>
+      </p:pic>
+      <p:pic>
+        <p:nvPicPr>
+          <p:cNvPr id="4" name="Picture 2" descr="C:\Users\Design\Desktop\Презент\3.jpg">
+            <a:extLst>
+              <a:ext uri="{FF2B5EF4-FFF2-40B4-BE49-F238E27FC236}">
+                <a16:creationId xmlns:a16="http://schemas.microsoft.com/office/drawing/2014/main" id="{B6296221-4B9F-4578-A2E5-243D55CCA001}"/>
+              </a:ext>
+            </a:extLst>
+          </p:cNvPr>
+          <p:cNvPicPr>
+            <a:picLocks noChangeAspect="1" noChangeArrowheads="1"/>
+          </p:cNvPicPr>
+          <p:nvPr/>
+        </p:nvPicPr>
+        <p:blipFill>
+          <a:blip r:embed="rId3" cstate="print"/>
+          <a:srcRect/>
+          <a:stretch>
+            <a:fillRect/>
+          </a:stretch>
+        </p:blipFill>
+        <p:spPr bwMode="auto">
+          <a:xfrm>
+            <a:off x="-12826" y="0"/>
+            <a:ext cx="12204826" cy="1154894"/>
+          </a:xfrm>
+          <a:prstGeom prst="rect">
+            <a:avLst/>
+          </a:prstGeom>
+          <a:noFill/>
+        </p:spPr>
+      </p:pic>
+    </p:spTree>
+    <p:extLst>
+      <p:ext uri="{BB962C8B-B14F-4D97-AF65-F5344CB8AC3E}">
+        <p14:creationId xmlns:p14="http://schemas.microsoft.com/office/powerpoint/2010/main" val="3329004817"/>
       </p:ext>
     </p:extLst>
   </p:cSld>
@@ -3559,8 +4923,8 @@
         </p:nvSpPr>
         <p:spPr>
           <a:xfrm>
-            <a:off x="321013" y="1253330"/>
-            <a:ext cx="11556460" cy="5604669"/>
+            <a:off x="317769" y="1801225"/>
+            <a:ext cx="11556460" cy="4775199"/>
           </a:xfrm>
         </p:spPr>
         <p:txBody>
@@ -3578,7 +4942,17 @@
               </a:spcBef>
               <a:buNone/>
             </a:pPr>
-            <a:endParaRPr lang="ru-RU" dirty="0"/>
+            <a:r>
+              <a:rPr lang="ru-RU" sz="2400" b="0" dirty="0">
+                <a:effectLst/>
+                <a:latin typeface="Times New Roman" panose="02020603050405020304" pitchFamily="18" charset="0"/>
+              </a:rPr>
+              <a:t>Информация на предприятиях обрабатывается в рамках самых разнообразных систем, часто не связанных друг с другом. Обеспечение их широкой доступности для всех сотрудников (а также внешних партнеров) и облегчение тем самым принятия творческих решений может стать критически важным фактором успеха для многих предприятий. Вместе с тем, объединение по вертикали и горизонтали информационно-технологических систем, возникших в условиях децентрализации, кажется почти невозможным. Во всяком случае, в классических областях ИТ опыт на этот счет отсутствует. Тем не менее, интеграция должна произойти.</a:t>
+            </a:r>
+            <a:endParaRPr lang="ru-RU" sz="2400" b="1" dirty="0">
+              <a:effectLst/>
+              <a:latin typeface="Times New Roman" panose="02020603050405020304" pitchFamily="18" charset="0"/>
+            </a:endParaRPr>
           </a:p>
         </p:txBody>
       </p:sp>
@@ -3614,10 +4988,1049 @@
           <a:noFill/>
         </p:spPr>
       </p:pic>
+      <p:sp>
+        <p:nvSpPr>
+          <p:cNvPr id="5" name="TextBox 4">
+            <a:extLst>
+              <a:ext uri="{FF2B5EF4-FFF2-40B4-BE49-F238E27FC236}">
+                <a16:creationId xmlns:a16="http://schemas.microsoft.com/office/drawing/2014/main" id="{110D2397-4A67-487E-877E-13D0FEF50EEE}"/>
+              </a:ext>
+            </a:extLst>
+          </p:cNvPr>
+          <p:cNvSpPr txBox="1"/>
+          <p:nvPr/>
+        </p:nvSpPr>
+        <p:spPr>
+          <a:xfrm>
+            <a:off x="1606333" y="1154894"/>
+            <a:ext cx="8979333" cy="646331"/>
+          </a:xfrm>
+          <a:prstGeom prst="rect">
+            <a:avLst/>
+          </a:prstGeom>
+          <a:noFill/>
+        </p:spPr>
+        <p:txBody>
+          <a:bodyPr wrap="square">
+            <a:spAutoFit/>
+          </a:bodyPr>
+          <a:lstStyle/>
+          <a:p>
+            <a:r>
+              <a:rPr lang="ru-RU" sz="3600" b="1" dirty="0">
+                <a:effectLst/>
+                <a:latin typeface="Times New Roman" panose="02020603050405020304" pitchFamily="18" charset="0"/>
+                <a:ea typeface="Times New Roman" panose="02020603050405020304" pitchFamily="18" charset="0"/>
+              </a:rPr>
+              <a:t>Интеграция децентрализованных систем</a:t>
+            </a:r>
+            <a:endParaRPr lang="ru-RU" sz="3600" b="1" dirty="0"/>
+          </a:p>
+        </p:txBody>
+      </p:sp>
+    </p:spTree>
+    <p:extLst>
+      <p:ext uri="{BB962C8B-B14F-4D97-AF65-F5344CB8AC3E}">
+        <p14:creationId xmlns:p14="http://schemas.microsoft.com/office/powerpoint/2010/main" val="571606925"/>
+      </p:ext>
+    </p:extLst>
+  </p:cSld>
+  <p:clrMapOvr>
+    <a:masterClrMapping/>
+  </p:clrMapOvr>
+</p:sld>
+</file>
+
+<file path=ppt/slides/slide20.xml><?xml version="1.0" encoding="utf-8"?>
+<p:sld xmlns:a="http://schemas.openxmlformats.org/drawingml/2006/main" xmlns:r="http://schemas.openxmlformats.org/officeDocument/2006/relationships" xmlns:p="http://schemas.openxmlformats.org/presentationml/2006/main">
+  <p:cSld>
+    <p:spTree>
+      <p:nvGrpSpPr>
+        <p:cNvPr id="1" name=""/>
+        <p:cNvGrpSpPr/>
+        <p:nvPr/>
+      </p:nvGrpSpPr>
+      <p:grpSpPr>
+        <a:xfrm>
+          <a:off x="0" y="0"/>
+          <a:ext cx="0" cy="0"/>
+          <a:chOff x="0" y="0"/>
+          <a:chExt cx="0" cy="0"/>
+        </a:xfrm>
+      </p:grpSpPr>
+      <p:sp>
+        <p:nvSpPr>
+          <p:cNvPr id="3" name="Объект 2">
+            <a:extLst>
+              <a:ext uri="{FF2B5EF4-FFF2-40B4-BE49-F238E27FC236}">
+                <a16:creationId xmlns:a16="http://schemas.microsoft.com/office/drawing/2014/main" id="{F5FB961B-6FFD-4876-AA14-A8060D196104}"/>
+              </a:ext>
+            </a:extLst>
+          </p:cNvPr>
+          <p:cNvSpPr>
+            <a:spLocks noGrp="1"/>
+          </p:cNvSpPr>
+          <p:nvPr>
+            <p:ph idx="1"/>
+          </p:nvPr>
+        </p:nvSpPr>
+        <p:spPr>
+          <a:xfrm>
+            <a:off x="321013" y="1253330"/>
+            <a:ext cx="11556460" cy="5604669"/>
+          </a:xfrm>
+        </p:spPr>
+        <p:txBody>
+          <a:bodyPr>
+            <a:noAutofit/>
+          </a:bodyPr>
+          <a:lstStyle/>
+          <a:p>
+            <a:pPr marL="0" indent="457200" algn="just">
+              <a:lnSpc>
+                <a:spcPct val="150000"/>
+              </a:lnSpc>
+              <a:spcBef>
+                <a:spcPts val="0"/>
+              </a:spcBef>
+              <a:buNone/>
+            </a:pPr>
+            <a:r>
+              <a:rPr lang="ru-RU" dirty="0">
+                <a:effectLst/>
+                <a:latin typeface="Times New Roman" panose="02020603050405020304" pitchFamily="18" charset="0"/>
+                <a:ea typeface="Times New Roman" panose="02020603050405020304" pitchFamily="18" charset="0"/>
+              </a:rPr>
+              <a:t>В развитии вычислительных и информационных систем предприятий в настоящее время основная тенденция заключается во все большей интеграции ИТ/ИС для максимальной отдачи, повышения эффективности использования и роста «возврата инвестиций».</a:t>
+            </a:r>
+          </a:p>
+        </p:txBody>
+      </p:sp>
+      <p:pic>
+        <p:nvPicPr>
+          <p:cNvPr id="4" name="Picture 2" descr="C:\Users\Design\Desktop\Презент\3.jpg">
+            <a:extLst>
+              <a:ext uri="{FF2B5EF4-FFF2-40B4-BE49-F238E27FC236}">
+                <a16:creationId xmlns:a16="http://schemas.microsoft.com/office/drawing/2014/main" id="{B6296221-4B9F-4578-A2E5-243D55CCA001}"/>
+              </a:ext>
+            </a:extLst>
+          </p:cNvPr>
+          <p:cNvPicPr>
+            <a:picLocks noChangeAspect="1" noChangeArrowheads="1"/>
+          </p:cNvPicPr>
+          <p:nvPr/>
+        </p:nvPicPr>
+        <p:blipFill>
+          <a:blip r:embed="rId2" cstate="print"/>
+          <a:srcRect/>
+          <a:stretch>
+            <a:fillRect/>
+          </a:stretch>
+        </p:blipFill>
+        <p:spPr bwMode="auto">
+          <a:xfrm>
+            <a:off x="-12826" y="0"/>
+            <a:ext cx="12204826" cy="1154894"/>
+          </a:xfrm>
+          <a:prstGeom prst="rect">
+            <a:avLst/>
+          </a:prstGeom>
+          <a:noFill/>
+        </p:spPr>
+      </p:pic>
+    </p:spTree>
+    <p:extLst>
+      <p:ext uri="{BB962C8B-B14F-4D97-AF65-F5344CB8AC3E}">
+        <p14:creationId xmlns:p14="http://schemas.microsoft.com/office/powerpoint/2010/main" val="4092881464"/>
+      </p:ext>
+    </p:extLst>
+  </p:cSld>
+  <p:clrMapOvr>
+    <a:masterClrMapping/>
+  </p:clrMapOvr>
+</p:sld>
+</file>
+
+<file path=ppt/slides/slide3.xml><?xml version="1.0" encoding="utf-8"?>
+<p:sld xmlns:a="http://schemas.openxmlformats.org/drawingml/2006/main" xmlns:r="http://schemas.openxmlformats.org/officeDocument/2006/relationships" xmlns:p="http://schemas.openxmlformats.org/presentationml/2006/main">
+  <p:cSld>
+    <p:spTree>
+      <p:nvGrpSpPr>
+        <p:cNvPr id="1" name=""/>
+        <p:cNvGrpSpPr/>
+        <p:nvPr/>
+      </p:nvGrpSpPr>
+      <p:grpSpPr>
+        <a:xfrm>
+          <a:off x="0" y="0"/>
+          <a:ext cx="0" cy="0"/>
+          <a:chOff x="0" y="0"/>
+          <a:chExt cx="0" cy="0"/>
+        </a:xfrm>
+      </p:grpSpPr>
+      <p:sp>
+        <p:nvSpPr>
+          <p:cNvPr id="3" name="Объект 2">
+            <a:extLst>
+              <a:ext uri="{FF2B5EF4-FFF2-40B4-BE49-F238E27FC236}">
+                <a16:creationId xmlns:a16="http://schemas.microsoft.com/office/drawing/2014/main" id="{F5FB961B-6FFD-4876-AA14-A8060D196104}"/>
+              </a:ext>
+            </a:extLst>
+          </p:cNvPr>
+          <p:cNvSpPr>
+            <a:spLocks noGrp="1"/>
+          </p:cNvSpPr>
+          <p:nvPr>
+            <p:ph idx="1"/>
+          </p:nvPr>
+        </p:nvSpPr>
+        <p:spPr>
+          <a:xfrm>
+            <a:off x="321013" y="1253330"/>
+            <a:ext cx="11556460" cy="5604669"/>
+          </a:xfrm>
+        </p:spPr>
+        <p:txBody>
+          <a:bodyPr>
+            <a:noAutofit/>
+          </a:bodyPr>
+          <a:lstStyle/>
+          <a:p>
+            <a:pPr marL="0" indent="450000" algn="just">
+              <a:lnSpc>
+                <a:spcPct val="150000"/>
+              </a:lnSpc>
+              <a:spcBef>
+                <a:spcPts val="0"/>
+              </a:spcBef>
+              <a:buNone/>
+            </a:pPr>
+            <a:r>
+              <a:rPr lang="ru-RU" sz="2400" dirty="0">
+                <a:effectLst/>
+                <a:latin typeface="Times New Roman" panose="02020603050405020304" pitchFamily="18" charset="0"/>
+                <a:ea typeface="Times New Roman" panose="02020603050405020304" pitchFamily="18" charset="0"/>
+              </a:rPr>
+              <a:t>Постановка подобной цели необходима высшему менеджменту для реального управления изменениями. Организационным рычагом в ее достижении могут стать виртуальные, проектные и рабочие группы, объединенные общими интересами выполнения текущих проектов и решения долгосрочных задач. Возможно, такие группы смогут даже эффективно управлять функциями распределенных отделов компании и сопровождающих их деятельность ИТ. Целью в этом случае мог бы стать интеграционный подход к взаимосвязанным технологическим, социальным, функциональным и хозяйственным процессам компании.</a:t>
+            </a:r>
+            <a:endParaRPr lang="ru-RU" sz="3600" dirty="0"/>
+          </a:p>
+        </p:txBody>
+      </p:sp>
+      <p:pic>
+        <p:nvPicPr>
+          <p:cNvPr id="4" name="Picture 2" descr="C:\Users\Design\Desktop\Презент\3.jpg">
+            <a:extLst>
+              <a:ext uri="{FF2B5EF4-FFF2-40B4-BE49-F238E27FC236}">
+                <a16:creationId xmlns:a16="http://schemas.microsoft.com/office/drawing/2014/main" id="{B6296221-4B9F-4578-A2E5-243D55CCA001}"/>
+              </a:ext>
+            </a:extLst>
+          </p:cNvPr>
+          <p:cNvPicPr>
+            <a:picLocks noChangeAspect="1" noChangeArrowheads="1"/>
+          </p:cNvPicPr>
+          <p:nvPr/>
+        </p:nvPicPr>
+        <p:blipFill>
+          <a:blip r:embed="rId2" cstate="print"/>
+          <a:srcRect/>
+          <a:stretch>
+            <a:fillRect/>
+          </a:stretch>
+        </p:blipFill>
+        <p:spPr bwMode="auto">
+          <a:xfrm>
+            <a:off x="-12826" y="0"/>
+            <a:ext cx="12204826" cy="1154894"/>
+          </a:xfrm>
+          <a:prstGeom prst="rect">
+            <a:avLst/>
+          </a:prstGeom>
+          <a:noFill/>
+        </p:spPr>
+      </p:pic>
     </p:spTree>
     <p:extLst>
       <p:ext uri="{BB962C8B-B14F-4D97-AF65-F5344CB8AC3E}">
         <p14:creationId xmlns:p14="http://schemas.microsoft.com/office/powerpoint/2010/main" val="3271614103"/>
+      </p:ext>
+    </p:extLst>
+  </p:cSld>
+  <p:clrMapOvr>
+    <a:masterClrMapping/>
+  </p:clrMapOvr>
+</p:sld>
+</file>
+
+<file path=ppt/slides/slide4.xml><?xml version="1.0" encoding="utf-8"?>
+<p:sld xmlns:a="http://schemas.openxmlformats.org/drawingml/2006/main" xmlns:r="http://schemas.openxmlformats.org/officeDocument/2006/relationships" xmlns:p="http://schemas.openxmlformats.org/presentationml/2006/main">
+  <p:cSld>
+    <p:spTree>
+      <p:nvGrpSpPr>
+        <p:cNvPr id="1" name=""/>
+        <p:cNvGrpSpPr/>
+        <p:nvPr/>
+      </p:nvGrpSpPr>
+      <p:grpSpPr>
+        <a:xfrm>
+          <a:off x="0" y="0"/>
+          <a:ext cx="0" cy="0"/>
+          <a:chOff x="0" y="0"/>
+          <a:chExt cx="0" cy="0"/>
+        </a:xfrm>
+      </p:grpSpPr>
+      <p:sp>
+        <p:nvSpPr>
+          <p:cNvPr id="3" name="Объект 2">
+            <a:extLst>
+              <a:ext uri="{FF2B5EF4-FFF2-40B4-BE49-F238E27FC236}">
+                <a16:creationId xmlns:a16="http://schemas.microsoft.com/office/drawing/2014/main" id="{F5FB961B-6FFD-4876-AA14-A8060D196104}"/>
+              </a:ext>
+            </a:extLst>
+          </p:cNvPr>
+          <p:cNvSpPr>
+            <a:spLocks noGrp="1"/>
+          </p:cNvSpPr>
+          <p:nvPr>
+            <p:ph idx="1"/>
+          </p:nvPr>
+        </p:nvSpPr>
+        <p:spPr>
+          <a:xfrm>
+            <a:off x="317769" y="1801225"/>
+            <a:ext cx="11556460" cy="4775199"/>
+          </a:xfrm>
+        </p:spPr>
+        <p:txBody>
+          <a:bodyPr>
+            <a:noAutofit/>
+          </a:bodyPr>
+          <a:lstStyle/>
+          <a:p>
+            <a:pPr marL="0" indent="450000" algn="just">
+              <a:lnSpc>
+                <a:spcPct val="150000"/>
+              </a:lnSpc>
+              <a:spcBef>
+                <a:spcPts val="0"/>
+              </a:spcBef>
+              <a:buNone/>
+            </a:pPr>
+            <a:r>
+              <a:rPr lang="ru-RU" sz="2000" dirty="0">
+                <a:effectLst/>
+                <a:latin typeface="Times New Roman" panose="02020603050405020304" pitchFamily="18" charset="0"/>
+                <a:ea typeface="Times New Roman" panose="02020603050405020304" pitchFamily="18" charset="0"/>
+              </a:rPr>
+              <a:t>Капиталовложения в ИТ сегодня влекут за собой многочисленные последствия. С одной стороны, они открывают определенные перспективы, а с другой — могут лишить предприятие перспективных возможностей в будущем из-за зависимостей, связанных с быстрыми технологическими изменениями и «привязки» к какой-либо одной технологии или определенному поставщику. Поэтому решения о капиталовложениях в ИТ не должны приниматься, пока не будут оценены риски применения тех или иных компьютерных и телекоммуникационных средств и не получена профессиональная консультация, по какому пути пойдет развитие следующего поколения технологии. При планировании капиталовложений в ИТ необходимо в обязательном порядке «держать» в уме конечную цель их приобретения и развёртывания — насколько ИТ будут способствовать реализации бизнес-стратегии предприятия.</a:t>
+            </a:r>
+            <a:endParaRPr lang="ru-RU" dirty="0">
+              <a:effectLst/>
+              <a:latin typeface="Times New Roman" panose="02020603050405020304" pitchFamily="18" charset="0"/>
+            </a:endParaRPr>
+          </a:p>
+        </p:txBody>
+      </p:sp>
+      <p:pic>
+        <p:nvPicPr>
+          <p:cNvPr id="4" name="Picture 2" descr="C:\Users\Design\Desktop\Презент\3.jpg">
+            <a:extLst>
+              <a:ext uri="{FF2B5EF4-FFF2-40B4-BE49-F238E27FC236}">
+                <a16:creationId xmlns:a16="http://schemas.microsoft.com/office/drawing/2014/main" id="{B6296221-4B9F-4578-A2E5-243D55CCA001}"/>
+              </a:ext>
+            </a:extLst>
+          </p:cNvPr>
+          <p:cNvPicPr>
+            <a:picLocks noChangeAspect="1" noChangeArrowheads="1"/>
+          </p:cNvPicPr>
+          <p:nvPr/>
+        </p:nvPicPr>
+        <p:blipFill>
+          <a:blip r:embed="rId2" cstate="print"/>
+          <a:srcRect/>
+          <a:stretch>
+            <a:fillRect/>
+          </a:stretch>
+        </p:blipFill>
+        <p:spPr bwMode="auto">
+          <a:xfrm>
+            <a:off x="-12826" y="0"/>
+            <a:ext cx="12204826" cy="1154894"/>
+          </a:xfrm>
+          <a:prstGeom prst="rect">
+            <a:avLst/>
+          </a:prstGeom>
+          <a:noFill/>
+        </p:spPr>
+      </p:pic>
+      <p:sp>
+        <p:nvSpPr>
+          <p:cNvPr id="5" name="TextBox 4">
+            <a:extLst>
+              <a:ext uri="{FF2B5EF4-FFF2-40B4-BE49-F238E27FC236}">
+                <a16:creationId xmlns:a16="http://schemas.microsoft.com/office/drawing/2014/main" id="{110D2397-4A67-487E-877E-13D0FEF50EEE}"/>
+              </a:ext>
+            </a:extLst>
+          </p:cNvPr>
+          <p:cNvSpPr txBox="1"/>
+          <p:nvPr/>
+        </p:nvSpPr>
+        <p:spPr>
+          <a:xfrm>
+            <a:off x="2819925" y="1154894"/>
+            <a:ext cx="6552147" cy="646331"/>
+          </a:xfrm>
+          <a:prstGeom prst="rect">
+            <a:avLst/>
+          </a:prstGeom>
+          <a:noFill/>
+        </p:spPr>
+        <p:txBody>
+          <a:bodyPr wrap="square">
+            <a:spAutoFit/>
+          </a:bodyPr>
+          <a:lstStyle/>
+          <a:p>
+            <a:pPr algn="ctr"/>
+            <a:r>
+              <a:rPr lang="ru-RU" sz="3600" b="1" dirty="0">
+                <a:effectLst/>
+                <a:latin typeface="Times New Roman" panose="02020603050405020304" pitchFamily="18" charset="0"/>
+                <a:ea typeface="Times New Roman" panose="02020603050405020304" pitchFamily="18" charset="0"/>
+              </a:rPr>
+              <a:t>Капиталовложения и риски</a:t>
+            </a:r>
+            <a:endParaRPr lang="ru-RU" sz="6000" b="1" dirty="0"/>
+          </a:p>
+        </p:txBody>
+      </p:sp>
+    </p:spTree>
+    <p:extLst>
+      <p:ext uri="{BB962C8B-B14F-4D97-AF65-F5344CB8AC3E}">
+        <p14:creationId xmlns:p14="http://schemas.microsoft.com/office/powerpoint/2010/main" val="2715538101"/>
+      </p:ext>
+    </p:extLst>
+  </p:cSld>
+  <p:clrMapOvr>
+    <a:masterClrMapping/>
+  </p:clrMapOvr>
+</p:sld>
+</file>
+
+<file path=ppt/slides/slide5.xml><?xml version="1.0" encoding="utf-8"?>
+<p:sld xmlns:a="http://schemas.openxmlformats.org/drawingml/2006/main" xmlns:r="http://schemas.openxmlformats.org/officeDocument/2006/relationships" xmlns:p="http://schemas.openxmlformats.org/presentationml/2006/main">
+  <p:cSld>
+    <p:spTree>
+      <p:nvGrpSpPr>
+        <p:cNvPr id="1" name=""/>
+        <p:cNvGrpSpPr/>
+        <p:nvPr/>
+      </p:nvGrpSpPr>
+      <p:grpSpPr>
+        <a:xfrm>
+          <a:off x="0" y="0"/>
+          <a:ext cx="0" cy="0"/>
+          <a:chOff x="0" y="0"/>
+          <a:chExt cx="0" cy="0"/>
+        </a:xfrm>
+      </p:grpSpPr>
+      <p:sp>
+        <p:nvSpPr>
+          <p:cNvPr id="3" name="Объект 2">
+            <a:extLst>
+              <a:ext uri="{FF2B5EF4-FFF2-40B4-BE49-F238E27FC236}">
+                <a16:creationId xmlns:a16="http://schemas.microsoft.com/office/drawing/2014/main" id="{F5FB961B-6FFD-4876-AA14-A8060D196104}"/>
+              </a:ext>
+            </a:extLst>
+          </p:cNvPr>
+          <p:cNvSpPr>
+            <a:spLocks noGrp="1"/>
+          </p:cNvSpPr>
+          <p:nvPr>
+            <p:ph idx="1"/>
+          </p:nvPr>
+        </p:nvSpPr>
+        <p:spPr>
+          <a:xfrm>
+            <a:off x="317769" y="1801225"/>
+            <a:ext cx="11556460" cy="4775199"/>
+          </a:xfrm>
+        </p:spPr>
+        <p:txBody>
+          <a:bodyPr>
+            <a:noAutofit/>
+          </a:bodyPr>
+          <a:lstStyle/>
+          <a:p>
+            <a:pPr marL="0" indent="450000" algn="just">
+              <a:lnSpc>
+                <a:spcPct val="150000"/>
+              </a:lnSpc>
+              <a:spcBef>
+                <a:spcPts val="0"/>
+              </a:spcBef>
+              <a:buNone/>
+            </a:pPr>
+            <a:r>
+              <a:rPr lang="ru-RU" dirty="0">
+                <a:effectLst/>
+                <a:latin typeface="Times New Roman" panose="02020603050405020304" pitchFamily="18" charset="0"/>
+                <a:ea typeface="Times New Roman" panose="02020603050405020304" pitchFamily="18" charset="0"/>
+              </a:rPr>
+              <a:t>Естественно, что новая технология повышает производительность, помогает фирме добиться лучших хозяйственных результатов. Наряду с этим, менеджеры должны знать о том, как мыслят и как работают люди, использующие новую технологию. Фирмам, которым это удается лучше, могут надеяться на большую отдачу от средств, вложенных в ИТ.</a:t>
+            </a:r>
+            <a:endParaRPr lang="ru-RU" sz="4000" dirty="0">
+              <a:effectLst/>
+              <a:latin typeface="Times New Roman" panose="02020603050405020304" pitchFamily="18" charset="0"/>
+            </a:endParaRPr>
+          </a:p>
+        </p:txBody>
+      </p:sp>
+      <p:pic>
+        <p:nvPicPr>
+          <p:cNvPr id="4" name="Picture 2" descr="C:\Users\Design\Desktop\Презент\3.jpg">
+            <a:extLst>
+              <a:ext uri="{FF2B5EF4-FFF2-40B4-BE49-F238E27FC236}">
+                <a16:creationId xmlns:a16="http://schemas.microsoft.com/office/drawing/2014/main" id="{B6296221-4B9F-4578-A2E5-243D55CCA001}"/>
+              </a:ext>
+            </a:extLst>
+          </p:cNvPr>
+          <p:cNvPicPr>
+            <a:picLocks noChangeAspect="1" noChangeArrowheads="1"/>
+          </p:cNvPicPr>
+          <p:nvPr/>
+        </p:nvPicPr>
+        <p:blipFill>
+          <a:blip r:embed="rId2" cstate="print"/>
+          <a:srcRect/>
+          <a:stretch>
+            <a:fillRect/>
+          </a:stretch>
+        </p:blipFill>
+        <p:spPr bwMode="auto">
+          <a:xfrm>
+            <a:off x="-12826" y="0"/>
+            <a:ext cx="12204826" cy="1154894"/>
+          </a:xfrm>
+          <a:prstGeom prst="rect">
+            <a:avLst/>
+          </a:prstGeom>
+          <a:noFill/>
+        </p:spPr>
+      </p:pic>
+      <p:sp>
+        <p:nvSpPr>
+          <p:cNvPr id="5" name="TextBox 4">
+            <a:extLst>
+              <a:ext uri="{FF2B5EF4-FFF2-40B4-BE49-F238E27FC236}">
+                <a16:creationId xmlns:a16="http://schemas.microsoft.com/office/drawing/2014/main" id="{110D2397-4A67-487E-877E-13D0FEF50EEE}"/>
+              </a:ext>
+            </a:extLst>
+          </p:cNvPr>
+          <p:cNvSpPr txBox="1"/>
+          <p:nvPr/>
+        </p:nvSpPr>
+        <p:spPr>
+          <a:xfrm>
+            <a:off x="915869" y="1154894"/>
+            <a:ext cx="10347435" cy="646331"/>
+          </a:xfrm>
+          <a:prstGeom prst="rect">
+            <a:avLst/>
+          </a:prstGeom>
+          <a:noFill/>
+        </p:spPr>
+        <p:txBody>
+          <a:bodyPr wrap="square">
+            <a:spAutoFit/>
+          </a:bodyPr>
+          <a:lstStyle/>
+          <a:p>
+            <a:pPr algn="ctr"/>
+            <a:r>
+              <a:rPr lang="ru-RU" sz="3600" b="1" dirty="0">
+                <a:effectLst/>
+                <a:latin typeface="Times New Roman" panose="02020603050405020304" pitchFamily="18" charset="0"/>
+                <a:ea typeface="Times New Roman" panose="02020603050405020304" pitchFamily="18" charset="0"/>
+              </a:rPr>
+              <a:t>Психологический фактор и языковые уровни</a:t>
+            </a:r>
+            <a:endParaRPr lang="ru-RU" sz="9600" b="1" dirty="0"/>
+          </a:p>
+        </p:txBody>
+      </p:sp>
+    </p:spTree>
+    <p:extLst>
+      <p:ext uri="{BB962C8B-B14F-4D97-AF65-F5344CB8AC3E}">
+        <p14:creationId xmlns:p14="http://schemas.microsoft.com/office/powerpoint/2010/main" val="3081134313"/>
+      </p:ext>
+    </p:extLst>
+  </p:cSld>
+  <p:clrMapOvr>
+    <a:masterClrMapping/>
+  </p:clrMapOvr>
+</p:sld>
+</file>
+
+<file path=ppt/slides/slide6.xml><?xml version="1.0" encoding="utf-8"?>
+<p:sld xmlns:a="http://schemas.openxmlformats.org/drawingml/2006/main" xmlns:r="http://schemas.openxmlformats.org/officeDocument/2006/relationships" xmlns:p="http://schemas.openxmlformats.org/presentationml/2006/main">
+  <p:cSld>
+    <p:spTree>
+      <p:nvGrpSpPr>
+        <p:cNvPr id="1" name=""/>
+        <p:cNvGrpSpPr/>
+        <p:nvPr/>
+      </p:nvGrpSpPr>
+      <p:grpSpPr>
+        <a:xfrm>
+          <a:off x="0" y="0"/>
+          <a:ext cx="0" cy="0"/>
+          <a:chOff x="0" y="0"/>
+          <a:chExt cx="0" cy="0"/>
+        </a:xfrm>
+      </p:grpSpPr>
+      <p:sp>
+        <p:nvSpPr>
+          <p:cNvPr id="3" name="Объект 2">
+            <a:extLst>
+              <a:ext uri="{FF2B5EF4-FFF2-40B4-BE49-F238E27FC236}">
+                <a16:creationId xmlns:a16="http://schemas.microsoft.com/office/drawing/2014/main" id="{F5FB961B-6FFD-4876-AA14-A8060D196104}"/>
+              </a:ext>
+            </a:extLst>
+          </p:cNvPr>
+          <p:cNvSpPr>
+            <a:spLocks noGrp="1"/>
+          </p:cNvSpPr>
+          <p:nvPr>
+            <p:ph idx="1"/>
+          </p:nvPr>
+        </p:nvSpPr>
+        <p:spPr>
+          <a:xfrm>
+            <a:off x="321013" y="1253330"/>
+            <a:ext cx="11556460" cy="5604669"/>
+          </a:xfrm>
+        </p:spPr>
+        <p:txBody>
+          <a:bodyPr>
+            <a:noAutofit/>
+          </a:bodyPr>
+          <a:lstStyle/>
+          <a:p>
+            <a:pPr marL="0" indent="450000" algn="just">
+              <a:lnSpc>
+                <a:spcPct val="150000"/>
+              </a:lnSpc>
+              <a:spcBef>
+                <a:spcPts val="0"/>
+              </a:spcBef>
+              <a:buNone/>
+            </a:pPr>
+            <a:r>
+              <a:rPr lang="ru-RU" sz="2000" dirty="0">
+                <a:effectLst/>
+                <a:latin typeface="Times New Roman" panose="02020603050405020304" pitchFamily="18" charset="0"/>
+                <a:ea typeface="Times New Roman" panose="02020603050405020304" pitchFamily="18" charset="0"/>
+              </a:rPr>
+              <a:t>Изготовители информационной техники и интеграционные команды должны научиться делать предложения не только в узкоспециальных терминах. На переговорах партнер будет ставить вопросы, имеющие принципиальное значение для высшего менеджмента в его компании. Здесь важно, чтобы обе стороны вышли на новый переговорный уровень, на котором стороны говорили бы на одном языке. Речь в этом случае идет скорее не о качестве техники, а о качестве услуг в сфере ИТ. Техника, разумеется, должна хорошо работать, быть на высоком уровне. Вместе с тем ее изготовитель должен почувствовать себя на месте менеджера, который с помощью ИТ стремится добиться конкурентных преимуществ. Чистый продавец в системе сбыта ИТ уходит в прошлое. Аналогичная ситуация должна складываться и на самом предприятии, особенно когда речь идет о многопрофильном производстве или оказании разнообразных услуг. Умение ИТ-менеджера находить общий язык с менеджерами подразделений должно перестать быть искусством одиночек, а превратиться в повседневную практику.</a:t>
+            </a:r>
+          </a:p>
+        </p:txBody>
+      </p:sp>
+      <p:pic>
+        <p:nvPicPr>
+          <p:cNvPr id="4" name="Picture 2" descr="C:\Users\Design\Desktop\Презент\3.jpg">
+            <a:extLst>
+              <a:ext uri="{FF2B5EF4-FFF2-40B4-BE49-F238E27FC236}">
+                <a16:creationId xmlns:a16="http://schemas.microsoft.com/office/drawing/2014/main" id="{B6296221-4B9F-4578-A2E5-243D55CCA001}"/>
+              </a:ext>
+            </a:extLst>
+          </p:cNvPr>
+          <p:cNvPicPr>
+            <a:picLocks noChangeAspect="1" noChangeArrowheads="1"/>
+          </p:cNvPicPr>
+          <p:nvPr/>
+        </p:nvPicPr>
+        <p:blipFill>
+          <a:blip r:embed="rId2" cstate="print"/>
+          <a:srcRect/>
+          <a:stretch>
+            <a:fillRect/>
+          </a:stretch>
+        </p:blipFill>
+        <p:spPr bwMode="auto">
+          <a:xfrm>
+            <a:off x="-12826" y="0"/>
+            <a:ext cx="12204826" cy="1154894"/>
+          </a:xfrm>
+          <a:prstGeom prst="rect">
+            <a:avLst/>
+          </a:prstGeom>
+          <a:noFill/>
+        </p:spPr>
+      </p:pic>
+    </p:spTree>
+    <p:extLst>
+      <p:ext uri="{BB962C8B-B14F-4D97-AF65-F5344CB8AC3E}">
+        <p14:creationId xmlns:p14="http://schemas.microsoft.com/office/powerpoint/2010/main" val="322380504"/>
+      </p:ext>
+    </p:extLst>
+  </p:cSld>
+  <p:clrMapOvr>
+    <a:masterClrMapping/>
+  </p:clrMapOvr>
+</p:sld>
+</file>
+
+<file path=ppt/slides/slide7.xml><?xml version="1.0" encoding="utf-8"?>
+<p:sld xmlns:a="http://schemas.openxmlformats.org/drawingml/2006/main" xmlns:r="http://schemas.openxmlformats.org/officeDocument/2006/relationships" xmlns:p="http://schemas.openxmlformats.org/presentationml/2006/main">
+  <p:cSld>
+    <p:spTree>
+      <p:nvGrpSpPr>
+        <p:cNvPr id="1" name=""/>
+        <p:cNvGrpSpPr/>
+        <p:nvPr/>
+      </p:nvGrpSpPr>
+      <p:grpSpPr>
+        <a:xfrm>
+          <a:off x="0" y="0"/>
+          <a:ext cx="0" cy="0"/>
+          <a:chOff x="0" y="0"/>
+          <a:chExt cx="0" cy="0"/>
+        </a:xfrm>
+      </p:grpSpPr>
+      <p:sp>
+        <p:nvSpPr>
+          <p:cNvPr id="3" name="Объект 2">
+            <a:extLst>
+              <a:ext uri="{FF2B5EF4-FFF2-40B4-BE49-F238E27FC236}">
+                <a16:creationId xmlns:a16="http://schemas.microsoft.com/office/drawing/2014/main" id="{F5FB961B-6FFD-4876-AA14-A8060D196104}"/>
+              </a:ext>
+            </a:extLst>
+          </p:cNvPr>
+          <p:cNvSpPr>
+            <a:spLocks noGrp="1"/>
+          </p:cNvSpPr>
+          <p:nvPr>
+            <p:ph idx="1"/>
+          </p:nvPr>
+        </p:nvSpPr>
+        <p:spPr>
+          <a:xfrm>
+            <a:off x="317769" y="1801225"/>
+            <a:ext cx="11556460" cy="4775199"/>
+          </a:xfrm>
+        </p:spPr>
+        <p:txBody>
+          <a:bodyPr>
+            <a:noAutofit/>
+          </a:bodyPr>
+          <a:lstStyle/>
+          <a:p>
+            <a:pPr marL="0" indent="457200" algn="just">
+              <a:lnSpc>
+                <a:spcPct val="150000"/>
+              </a:lnSpc>
+              <a:spcBef>
+                <a:spcPts val="0"/>
+              </a:spcBef>
+              <a:buNone/>
+            </a:pPr>
+            <a:r>
+              <a:rPr lang="ru-RU" sz="2400" b="0" dirty="0">
+                <a:effectLst/>
+                <a:latin typeface="Times New Roman" panose="02020603050405020304" pitchFamily="18" charset="0"/>
+              </a:rPr>
+              <a:t>Новые информационные технологии и реализованные на их основе информационные системы являются мощным инструментом для организационных изменений, которые «вынуждают» предприятия перепроектировать свою структуру, область деятельности, коммуникации, ресурсы, т. е. провести полный реинжиниринг бизнес-процессов для достижения новых стратегических целей. </a:t>
+            </a:r>
+            <a:endParaRPr lang="ru-RU" sz="2400" b="1" dirty="0">
+              <a:effectLst/>
+              <a:latin typeface="Times New Roman" panose="02020603050405020304" pitchFamily="18" charset="0"/>
+            </a:endParaRPr>
+          </a:p>
+          <a:p>
+            <a:pPr marL="0" indent="457200" algn="just">
+              <a:lnSpc>
+                <a:spcPct val="150000"/>
+              </a:lnSpc>
+              <a:spcBef>
+                <a:spcPts val="0"/>
+              </a:spcBef>
+              <a:buNone/>
+            </a:pPr>
+            <a:r>
+              <a:rPr lang="ru-RU" sz="2400" b="0" dirty="0">
+                <a:effectLst/>
+                <a:latin typeface="Times New Roman" panose="02020603050405020304" pitchFamily="18" charset="0"/>
+              </a:rPr>
+              <a:t>В таблице 1.3 показаны некоторые технические и технологические новации, применение которых неизбежно приводит к необходимости изменений в организации.</a:t>
+            </a:r>
+            <a:endParaRPr lang="ru-RU" sz="2400" b="1" dirty="0">
+              <a:effectLst/>
+              <a:latin typeface="Times New Roman" panose="02020603050405020304" pitchFamily="18" charset="0"/>
+            </a:endParaRPr>
+          </a:p>
+        </p:txBody>
+      </p:sp>
+      <p:pic>
+        <p:nvPicPr>
+          <p:cNvPr id="4" name="Picture 2" descr="C:\Users\Design\Desktop\Презент\3.jpg">
+            <a:extLst>
+              <a:ext uri="{FF2B5EF4-FFF2-40B4-BE49-F238E27FC236}">
+                <a16:creationId xmlns:a16="http://schemas.microsoft.com/office/drawing/2014/main" id="{B6296221-4B9F-4578-A2E5-243D55CCA001}"/>
+              </a:ext>
+            </a:extLst>
+          </p:cNvPr>
+          <p:cNvPicPr>
+            <a:picLocks noChangeAspect="1" noChangeArrowheads="1"/>
+          </p:cNvPicPr>
+          <p:nvPr/>
+        </p:nvPicPr>
+        <p:blipFill>
+          <a:blip r:embed="rId2" cstate="print"/>
+          <a:srcRect/>
+          <a:stretch>
+            <a:fillRect/>
+          </a:stretch>
+        </p:blipFill>
+        <p:spPr bwMode="auto">
+          <a:xfrm>
+            <a:off x="-12826" y="0"/>
+            <a:ext cx="12204826" cy="1154894"/>
+          </a:xfrm>
+          <a:prstGeom prst="rect">
+            <a:avLst/>
+          </a:prstGeom>
+          <a:noFill/>
+        </p:spPr>
+      </p:pic>
+      <p:sp>
+        <p:nvSpPr>
+          <p:cNvPr id="5" name="TextBox 4">
+            <a:extLst>
+              <a:ext uri="{FF2B5EF4-FFF2-40B4-BE49-F238E27FC236}">
+                <a16:creationId xmlns:a16="http://schemas.microsoft.com/office/drawing/2014/main" id="{110D2397-4A67-487E-877E-13D0FEF50EEE}"/>
+              </a:ext>
+            </a:extLst>
+          </p:cNvPr>
+          <p:cNvSpPr txBox="1"/>
+          <p:nvPr/>
+        </p:nvSpPr>
+        <p:spPr>
+          <a:xfrm>
+            <a:off x="-12826" y="1154894"/>
+            <a:ext cx="12204825" cy="584775"/>
+          </a:xfrm>
+          <a:prstGeom prst="rect">
+            <a:avLst/>
+          </a:prstGeom>
+          <a:noFill/>
+        </p:spPr>
+        <p:txBody>
+          <a:bodyPr wrap="square">
+            <a:spAutoFit/>
+          </a:bodyPr>
+          <a:lstStyle/>
+          <a:p>
+            <a:pPr algn="ctr"/>
+            <a:r>
+              <a:rPr lang="ru-RU" sz="3200" b="1" dirty="0">
+                <a:effectLst/>
+                <a:latin typeface="Times New Roman" panose="02020603050405020304" pitchFamily="18" charset="0"/>
+                <a:ea typeface="Times New Roman" panose="02020603050405020304" pitchFamily="18" charset="0"/>
+              </a:rPr>
+              <a:t>Развитие ИТ и организационные изменения на предприятиях</a:t>
+            </a:r>
+            <a:endParaRPr lang="ru-RU" sz="19900" b="1" dirty="0"/>
+          </a:p>
+        </p:txBody>
+      </p:sp>
+    </p:spTree>
+    <p:extLst>
+      <p:ext uri="{BB962C8B-B14F-4D97-AF65-F5344CB8AC3E}">
+        <p14:creationId xmlns:p14="http://schemas.microsoft.com/office/powerpoint/2010/main" val="740516529"/>
+      </p:ext>
+    </p:extLst>
+  </p:cSld>
+  <p:clrMapOvr>
+    <a:masterClrMapping/>
+  </p:clrMapOvr>
+</p:sld>
+</file>
+
+<file path=ppt/slides/slide8.xml><?xml version="1.0" encoding="utf-8"?>
+<p:sld xmlns:a="http://schemas.openxmlformats.org/drawingml/2006/main" xmlns:r="http://schemas.openxmlformats.org/officeDocument/2006/relationships" xmlns:p="http://schemas.openxmlformats.org/presentationml/2006/main">
+  <p:cSld>
+    <p:spTree>
+      <p:nvGrpSpPr>
+        <p:cNvPr id="1" name=""/>
+        <p:cNvGrpSpPr/>
+        <p:nvPr/>
+      </p:nvGrpSpPr>
+      <p:grpSpPr>
+        <a:xfrm>
+          <a:off x="0" y="0"/>
+          <a:ext cx="0" cy="0"/>
+          <a:chOff x="0" y="0"/>
+          <a:chExt cx="0" cy="0"/>
+        </a:xfrm>
+      </p:grpSpPr>
+      <p:pic>
+        <p:nvPicPr>
+          <p:cNvPr id="5" name="Объект 4">
+            <a:extLst>
+              <a:ext uri="{FF2B5EF4-FFF2-40B4-BE49-F238E27FC236}">
+                <a16:creationId xmlns:a16="http://schemas.microsoft.com/office/drawing/2014/main" id="{8CABF421-B960-4004-A19E-AC4BFD753F43}"/>
+              </a:ext>
+            </a:extLst>
+          </p:cNvPr>
+          <p:cNvPicPr>
+            <a:picLocks noGrp="1" noChangeAspect="1"/>
+          </p:cNvPicPr>
+          <p:nvPr>
+            <p:ph idx="1"/>
+          </p:nvPr>
+        </p:nvPicPr>
+        <p:blipFill>
+          <a:blip r:embed="rId2"/>
+          <a:stretch>
+            <a:fillRect/>
+          </a:stretch>
+        </p:blipFill>
+        <p:spPr>
+          <a:xfrm>
+            <a:off x="899503" y="1154894"/>
+            <a:ext cx="10392993" cy="5229512"/>
+          </a:xfrm>
+        </p:spPr>
+      </p:pic>
+      <p:pic>
+        <p:nvPicPr>
+          <p:cNvPr id="4" name="Picture 2" descr="C:\Users\Design\Desktop\Презент\3.jpg">
+            <a:extLst>
+              <a:ext uri="{FF2B5EF4-FFF2-40B4-BE49-F238E27FC236}">
+                <a16:creationId xmlns:a16="http://schemas.microsoft.com/office/drawing/2014/main" id="{B6296221-4B9F-4578-A2E5-243D55CCA001}"/>
+              </a:ext>
+            </a:extLst>
+          </p:cNvPr>
+          <p:cNvPicPr>
+            <a:picLocks noChangeAspect="1" noChangeArrowheads="1"/>
+          </p:cNvPicPr>
+          <p:nvPr/>
+        </p:nvPicPr>
+        <p:blipFill>
+          <a:blip r:embed="rId3" cstate="print"/>
+          <a:srcRect/>
+          <a:stretch>
+            <a:fillRect/>
+          </a:stretch>
+        </p:blipFill>
+        <p:spPr bwMode="auto">
+          <a:xfrm>
+            <a:off x="-12826" y="0"/>
+            <a:ext cx="12204826" cy="1154894"/>
+          </a:xfrm>
+          <a:prstGeom prst="rect">
+            <a:avLst/>
+          </a:prstGeom>
+          <a:noFill/>
+        </p:spPr>
+      </p:pic>
+    </p:spTree>
+    <p:extLst>
+      <p:ext uri="{BB962C8B-B14F-4D97-AF65-F5344CB8AC3E}">
+        <p14:creationId xmlns:p14="http://schemas.microsoft.com/office/powerpoint/2010/main" val="3613060782"/>
+      </p:ext>
+    </p:extLst>
+  </p:cSld>
+  <p:clrMapOvr>
+    <a:masterClrMapping/>
+  </p:clrMapOvr>
+</p:sld>
+</file>
+
+<file path=ppt/slides/slide9.xml><?xml version="1.0" encoding="utf-8"?>
+<p:sld xmlns:a="http://schemas.openxmlformats.org/drawingml/2006/main" xmlns:r="http://schemas.openxmlformats.org/officeDocument/2006/relationships" xmlns:p="http://schemas.openxmlformats.org/presentationml/2006/main">
+  <p:cSld>
+    <p:spTree>
+      <p:nvGrpSpPr>
+        <p:cNvPr id="1" name=""/>
+        <p:cNvGrpSpPr/>
+        <p:nvPr/>
+      </p:nvGrpSpPr>
+      <p:grpSpPr>
+        <a:xfrm>
+          <a:off x="0" y="0"/>
+          <a:ext cx="0" cy="0"/>
+          <a:chOff x="0" y="0"/>
+          <a:chExt cx="0" cy="0"/>
+        </a:xfrm>
+      </p:grpSpPr>
+      <p:pic>
+        <p:nvPicPr>
+          <p:cNvPr id="5" name="Объект 4">
+            <a:extLst>
+              <a:ext uri="{FF2B5EF4-FFF2-40B4-BE49-F238E27FC236}">
+                <a16:creationId xmlns:a16="http://schemas.microsoft.com/office/drawing/2014/main" id="{3E23EB44-6B09-4082-89A1-756A94178B8A}"/>
+              </a:ext>
+            </a:extLst>
+          </p:cNvPr>
+          <p:cNvPicPr>
+            <a:picLocks noGrp="1" noChangeAspect="1"/>
+          </p:cNvPicPr>
+          <p:nvPr>
+            <p:ph idx="1"/>
+          </p:nvPr>
+        </p:nvPicPr>
+        <p:blipFill>
+          <a:blip r:embed="rId2"/>
+          <a:stretch>
+            <a:fillRect/>
+          </a:stretch>
+        </p:blipFill>
+        <p:spPr>
+          <a:xfrm>
+            <a:off x="7092" y="1234488"/>
+            <a:ext cx="11716232" cy="4912312"/>
+          </a:xfrm>
+        </p:spPr>
+      </p:pic>
+      <p:pic>
+        <p:nvPicPr>
+          <p:cNvPr id="4" name="Picture 2" descr="C:\Users\Design\Desktop\Презент\3.jpg">
+            <a:extLst>
+              <a:ext uri="{FF2B5EF4-FFF2-40B4-BE49-F238E27FC236}">
+                <a16:creationId xmlns:a16="http://schemas.microsoft.com/office/drawing/2014/main" id="{B6296221-4B9F-4578-A2E5-243D55CCA001}"/>
+              </a:ext>
+            </a:extLst>
+          </p:cNvPr>
+          <p:cNvPicPr>
+            <a:picLocks noChangeAspect="1" noChangeArrowheads="1"/>
+          </p:cNvPicPr>
+          <p:nvPr/>
+        </p:nvPicPr>
+        <p:blipFill>
+          <a:blip r:embed="rId3" cstate="print"/>
+          <a:srcRect/>
+          <a:stretch>
+            <a:fillRect/>
+          </a:stretch>
+        </p:blipFill>
+        <p:spPr bwMode="auto">
+          <a:xfrm>
+            <a:off x="-12826" y="0"/>
+            <a:ext cx="12204826" cy="1154894"/>
+          </a:xfrm>
+          <a:prstGeom prst="rect">
+            <a:avLst/>
+          </a:prstGeom>
+          <a:noFill/>
+        </p:spPr>
+      </p:pic>
+    </p:spTree>
+    <p:extLst>
+      <p:ext uri="{BB962C8B-B14F-4D97-AF65-F5344CB8AC3E}">
+        <p14:creationId xmlns:p14="http://schemas.microsoft.com/office/powerpoint/2010/main" val="4160575851"/>
       </p:ext>
     </p:extLst>
   </p:cSld>
